--- a/PPTs/Lecture 14-minimum spanning trees.pptx
+++ b/PPTs/Lecture 14-minimum spanning trees.pptx
@@ -1728,7 +1728,15 @@
             <p:ph type="sldNum" sz="quarter" idx="12"/>
           </p:nvPr>
         </p:nvSpPr>
-        <p:spPr/>
+        <p:spPr>
+          <a:xfrm>
+            <a:off x="6553200" y="6356350"/>
+            <a:ext cx="2133600" cy="365125"/>
+          </a:xfrm>
+          <a:prstGeom prst="rect">
+            <a:avLst/>
+          </a:prstGeom>
+        </p:spPr>
         <p:txBody>
           <a:bodyPr/>
           <a:lstStyle/>
@@ -1898,7 +1906,15 @@
             <p:ph type="sldNum" sz="quarter" idx="12"/>
           </p:nvPr>
         </p:nvSpPr>
-        <p:spPr/>
+        <p:spPr>
+          <a:xfrm>
+            <a:off x="6553200" y="6356350"/>
+            <a:ext cx="2133600" cy="365125"/>
+          </a:xfrm>
+          <a:prstGeom prst="rect">
+            <a:avLst/>
+          </a:prstGeom>
+        </p:spPr>
         <p:txBody>
           <a:bodyPr/>
           <a:lstStyle/>
@@ -2078,7 +2094,15 @@
             <p:ph type="sldNum" sz="quarter" idx="12"/>
           </p:nvPr>
         </p:nvSpPr>
-        <p:spPr/>
+        <p:spPr>
+          <a:xfrm>
+            <a:off x="6553200" y="6356350"/>
+            <a:ext cx="2133600" cy="365125"/>
+          </a:xfrm>
+          <a:prstGeom prst="rect">
+            <a:avLst/>
+          </a:prstGeom>
+        </p:spPr>
         <p:txBody>
           <a:bodyPr/>
           <a:lstStyle/>
@@ -2248,7 +2272,15 @@
             <p:ph type="sldNum" sz="quarter" idx="12"/>
           </p:nvPr>
         </p:nvSpPr>
-        <p:spPr/>
+        <p:spPr>
+          <a:xfrm>
+            <a:off x="6553200" y="6356350"/>
+            <a:ext cx="2133600" cy="365125"/>
+          </a:xfrm>
+          <a:prstGeom prst="rect">
+            <a:avLst/>
+          </a:prstGeom>
+        </p:spPr>
         <p:txBody>
           <a:bodyPr/>
           <a:lstStyle/>
@@ -2494,7 +2526,15 @@
             <p:ph type="sldNum" sz="quarter" idx="12"/>
           </p:nvPr>
         </p:nvSpPr>
-        <p:spPr/>
+        <p:spPr>
+          <a:xfrm>
+            <a:off x="6553200" y="6356350"/>
+            <a:ext cx="2133600" cy="365125"/>
+          </a:xfrm>
+          <a:prstGeom prst="rect">
+            <a:avLst/>
+          </a:prstGeom>
+        </p:spPr>
         <p:txBody>
           <a:bodyPr/>
           <a:lstStyle/>
@@ -2782,7 +2822,15 @@
             <p:ph type="sldNum" sz="quarter" idx="12"/>
           </p:nvPr>
         </p:nvSpPr>
-        <p:spPr/>
+        <p:spPr>
+          <a:xfrm>
+            <a:off x="6553200" y="6356350"/>
+            <a:ext cx="2133600" cy="365125"/>
+          </a:xfrm>
+          <a:prstGeom prst="rect">
+            <a:avLst/>
+          </a:prstGeom>
+        </p:spPr>
         <p:txBody>
           <a:bodyPr/>
           <a:lstStyle/>
@@ -3204,7 +3252,15 @@
             <p:ph type="sldNum" sz="quarter" idx="12"/>
           </p:nvPr>
         </p:nvSpPr>
-        <p:spPr/>
+        <p:spPr>
+          <a:xfrm>
+            <a:off x="6553200" y="6356350"/>
+            <a:ext cx="2133600" cy="365125"/>
+          </a:xfrm>
+          <a:prstGeom prst="rect">
+            <a:avLst/>
+          </a:prstGeom>
+        </p:spPr>
         <p:txBody>
           <a:bodyPr/>
           <a:lstStyle/>
@@ -3322,7 +3378,15 @@
             <p:ph type="sldNum" sz="quarter" idx="12"/>
           </p:nvPr>
         </p:nvSpPr>
-        <p:spPr/>
+        <p:spPr>
+          <a:xfrm>
+            <a:off x="6553200" y="6356350"/>
+            <a:ext cx="2133600" cy="365125"/>
+          </a:xfrm>
+          <a:prstGeom prst="rect">
+            <a:avLst/>
+          </a:prstGeom>
+        </p:spPr>
         <p:txBody>
           <a:bodyPr/>
           <a:lstStyle/>
@@ -3417,7 +3481,15 @@
             <p:ph type="sldNum" sz="quarter" idx="12"/>
           </p:nvPr>
         </p:nvSpPr>
-        <p:spPr/>
+        <p:spPr>
+          <a:xfrm>
+            <a:off x="6553200" y="6356350"/>
+            <a:ext cx="2133600" cy="365125"/>
+          </a:xfrm>
+          <a:prstGeom prst="rect">
+            <a:avLst/>
+          </a:prstGeom>
+        </p:spPr>
         <p:txBody>
           <a:bodyPr/>
           <a:lstStyle/>
@@ -3694,7 +3766,15 @@
             <p:ph type="sldNum" sz="quarter" idx="12"/>
           </p:nvPr>
         </p:nvSpPr>
-        <p:spPr/>
+        <p:spPr>
+          <a:xfrm>
+            <a:off x="6553200" y="6356350"/>
+            <a:ext cx="2133600" cy="365125"/>
+          </a:xfrm>
+          <a:prstGeom prst="rect">
+            <a:avLst/>
+          </a:prstGeom>
+        </p:spPr>
         <p:txBody>
           <a:bodyPr/>
           <a:lstStyle/>
@@ -3947,7 +4027,15 @@
             <p:ph type="sldNum" sz="quarter" idx="12"/>
           </p:nvPr>
         </p:nvSpPr>
-        <p:spPr/>
+        <p:spPr>
+          <a:xfrm>
+            <a:off x="6553200" y="6356350"/>
+            <a:ext cx="2133600" cy="365125"/>
+          </a:xfrm>
+          <a:prstGeom prst="rect">
+            <a:avLst/>
+          </a:prstGeom>
+        </p:spPr>
         <p:txBody>
           <a:bodyPr/>
           <a:lstStyle/>
@@ -4170,42 +4258,77 @@
       </p:sp>
       <p:sp>
         <p:nvSpPr>
-          <p:cNvPr id="6" name="Slide Number Placeholder 5"/>
-          <p:cNvSpPr>
-            <a:spLocks noGrp="1"/>
-          </p:cNvSpPr>
-          <p:nvPr>
-            <p:ph type="sldNum" sz="quarter" idx="4"/>
-          </p:nvPr>
+          <p:cNvPr id="7" name="Google Shape;14;p1">
+            <a:extLst>
+              <a:ext uri="{FF2B5EF4-FFF2-40B4-BE49-F238E27FC236}">
+                <a16:creationId xmlns:a16="http://schemas.microsoft.com/office/drawing/2014/main" id="{1A45E1BE-D585-9A8B-8157-70CD2DE64522}"/>
+              </a:ext>
+            </a:extLst>
+          </p:cNvPr>
+          <p:cNvSpPr txBox="1"/>
+          <p:nvPr userDrawn="1"/>
         </p:nvSpPr>
         <p:spPr>
           <a:xfrm>
-            <a:off x="6553200" y="6356350"/>
-            <a:ext cx="2133600" cy="365125"/>
+            <a:off x="8561213" y="6509536"/>
+            <a:ext cx="572955" cy="393920"/>
           </a:xfrm>
           <a:prstGeom prst="rect">
             <a:avLst/>
           </a:prstGeom>
+          <a:noFill/>
+          <a:ln>
+            <a:noFill/>
+          </a:ln>
         </p:spPr>
         <p:txBody>
-          <a:bodyPr vert="horz" lIns="91440" tIns="45720" rIns="91440" bIns="45720" rtlCol="0" anchor="ctr"/>
-          <a:lstStyle>
-            <a:lvl1pPr algn="r">
-              <a:defRPr sz="1200">
+          <a:bodyPr spcFirstLastPara="1" wrap="square" lIns="88375" tIns="88375" rIns="88375" bIns="88375" anchor="ctr" anchorCtr="0">
+            <a:spAutoFit/>
+          </a:bodyPr>
+          <a:lstStyle/>
+          <a:p>
+            <a:pPr marL="0" lvl="0" indent="0" algn="r" rtl="0">
+              <a:spcBef>
+                <a:spcPts val="0"/>
+              </a:spcBef>
+              <a:spcAft>
+                <a:spcPts val="0"/>
+              </a:spcAft>
+              <a:buNone/>
+            </a:pPr>
+            <a:r>
+              <a:rPr lang="en-US" sz="1400" dirty="0">
                 <a:solidFill>
-                  <a:schemeClr val="tx1">
-                    <a:tint val="75000"/>
-                  </a:schemeClr>
+                  <a:srgbClr val="595959"/>
                 </a:solidFill>
-              </a:defRPr>
-            </a:lvl1pPr>
-          </a:lstStyle>
-          <a:p>
-            <a:fld id="{325BE2B7-23DB-644D-89A2-CA3C2E8FEF83}" type="slidenum">
-              <a:rPr lang="en-US" smtClean="0"/>
+                <a:latin typeface="Quattrocento Sans"/>
+                <a:ea typeface="Quattrocento Sans"/>
+                <a:cs typeface="Quattrocento Sans"/>
+                <a:sym typeface="Quattrocento Sans"/>
+              </a:rPr>
+              <a:t> </a:t>
+            </a:r>
+            <a:fld id="{00000000-1234-1234-1234-123412341234}" type="slidenum">
+              <a:rPr lang="en-US" sz="1200">
+                <a:solidFill>
+                  <a:srgbClr val="595959"/>
+                </a:solidFill>
+                <a:latin typeface="Quattrocento Sans"/>
+                <a:ea typeface="Quattrocento Sans"/>
+                <a:cs typeface="Quattrocento Sans"/>
+                <a:sym typeface="Quattrocento Sans"/>
+              </a:rPr>
               <a:t>‹#›</a:t>
             </a:fld>
-            <a:endParaRPr lang="en-US"/>
+            <a:endParaRPr sz="1400" dirty="0">
+              <a:solidFill>
+                <a:srgbClr val="595959"/>
+              </a:solidFill>
+              <a:latin typeface="Quattrocento Sans"/>
+              <a:ea typeface="Quattrocento Sans"/>
+              <a:cs typeface="Quattrocento Sans"/>
+              <a:sym typeface="Quattrocento Sans"/>
+            </a:endParaRPr>
           </a:p>
         </p:txBody>
       </p:sp>
@@ -4712,6 +4835,82 @@
               <a:solidFill>
                 <a:schemeClr val="tx1"/>
               </a:solidFill>
+            </a:endParaRPr>
+          </a:p>
+        </p:txBody>
+      </p:sp>
+      <p:sp>
+        <p:nvSpPr>
+          <p:cNvPr id="5" name="Google Shape;14;p1">
+            <a:extLst>
+              <a:ext uri="{FF2B5EF4-FFF2-40B4-BE49-F238E27FC236}">
+                <a16:creationId xmlns:a16="http://schemas.microsoft.com/office/drawing/2014/main" id="{8FB697C5-B5AA-5580-A454-07C3C43950C5}"/>
+              </a:ext>
+            </a:extLst>
+          </p:cNvPr>
+          <p:cNvSpPr txBox="1"/>
+          <p:nvPr/>
+        </p:nvSpPr>
+        <p:spPr>
+          <a:xfrm>
+            <a:off x="8561213" y="6509536"/>
+            <a:ext cx="572955" cy="393920"/>
+          </a:xfrm>
+          <a:prstGeom prst="rect">
+            <a:avLst/>
+          </a:prstGeom>
+          <a:noFill/>
+          <a:ln>
+            <a:noFill/>
+          </a:ln>
+        </p:spPr>
+        <p:txBody>
+          <a:bodyPr spcFirstLastPara="1" wrap="square" lIns="88375" tIns="88375" rIns="88375" bIns="88375" anchor="ctr" anchorCtr="0">
+            <a:spAutoFit/>
+          </a:bodyPr>
+          <a:lstStyle/>
+          <a:p>
+            <a:pPr marL="0" lvl="0" indent="0" algn="r" rtl="0">
+              <a:spcBef>
+                <a:spcPts val="0"/>
+              </a:spcBef>
+              <a:spcAft>
+                <a:spcPts val="0"/>
+              </a:spcAft>
+              <a:buNone/>
+            </a:pPr>
+            <a:r>
+              <a:rPr lang="en-US" sz="1400" dirty="0">
+                <a:solidFill>
+                  <a:srgbClr val="595959"/>
+                </a:solidFill>
+                <a:latin typeface="Quattrocento Sans"/>
+                <a:ea typeface="Quattrocento Sans"/>
+                <a:cs typeface="Quattrocento Sans"/>
+                <a:sym typeface="Quattrocento Sans"/>
+              </a:rPr>
+              <a:t> </a:t>
+            </a:r>
+            <a:fld id="{00000000-1234-1234-1234-123412341234}" type="slidenum">
+              <a:rPr lang="en-US" sz="1200">
+                <a:solidFill>
+                  <a:srgbClr val="595959"/>
+                </a:solidFill>
+                <a:latin typeface="Quattrocento Sans"/>
+                <a:ea typeface="Quattrocento Sans"/>
+                <a:cs typeface="Quattrocento Sans"/>
+                <a:sym typeface="Quattrocento Sans"/>
+              </a:rPr>
+              <a:t>1</a:t>
+            </a:fld>
+            <a:endParaRPr sz="1400" dirty="0">
+              <a:solidFill>
+                <a:srgbClr val="595959"/>
+              </a:solidFill>
+              <a:latin typeface="Quattrocento Sans"/>
+              <a:ea typeface="Quattrocento Sans"/>
+              <a:cs typeface="Quattrocento Sans"/>
+              <a:sym typeface="Quattrocento Sans"/>
             </a:endParaRPr>
           </a:p>
         </p:txBody>
@@ -11738,6 +11937,82 @@
               <a:rPr lang="en-US" dirty="0"/>
               <a:t>Both are greedy algorithms that are also optimal.</a:t>
             </a:r>
+          </a:p>
+        </p:txBody>
+      </p:sp>
+      <p:sp>
+        <p:nvSpPr>
+          <p:cNvPr id="5" name="Google Shape;14;p1">
+            <a:extLst>
+              <a:ext uri="{FF2B5EF4-FFF2-40B4-BE49-F238E27FC236}">
+                <a16:creationId xmlns:a16="http://schemas.microsoft.com/office/drawing/2014/main" id="{88814E0B-67BA-911F-3876-994DDB6D49F6}"/>
+              </a:ext>
+            </a:extLst>
+          </p:cNvPr>
+          <p:cNvSpPr txBox="1"/>
+          <p:nvPr/>
+        </p:nvSpPr>
+        <p:spPr>
+          <a:xfrm>
+            <a:off x="8561213" y="6509536"/>
+            <a:ext cx="572955" cy="393920"/>
+          </a:xfrm>
+          <a:prstGeom prst="rect">
+            <a:avLst/>
+          </a:prstGeom>
+          <a:noFill/>
+          <a:ln>
+            <a:noFill/>
+          </a:ln>
+        </p:spPr>
+        <p:txBody>
+          <a:bodyPr spcFirstLastPara="1" wrap="square" lIns="88375" tIns="88375" rIns="88375" bIns="88375" anchor="ctr" anchorCtr="0">
+            <a:spAutoFit/>
+          </a:bodyPr>
+          <a:lstStyle/>
+          <a:p>
+            <a:pPr marL="0" lvl="0" indent="0" algn="r" rtl="0">
+              <a:spcBef>
+                <a:spcPts val="0"/>
+              </a:spcBef>
+              <a:spcAft>
+                <a:spcPts val="0"/>
+              </a:spcAft>
+              <a:buNone/>
+            </a:pPr>
+            <a:r>
+              <a:rPr lang="en-US" sz="1400" dirty="0">
+                <a:solidFill>
+                  <a:srgbClr val="595959"/>
+                </a:solidFill>
+                <a:latin typeface="Quattrocento Sans"/>
+                <a:ea typeface="Quattrocento Sans"/>
+                <a:cs typeface="Quattrocento Sans"/>
+                <a:sym typeface="Quattrocento Sans"/>
+              </a:rPr>
+              <a:t> </a:t>
+            </a:r>
+            <a:fld id="{00000000-1234-1234-1234-123412341234}" type="slidenum">
+              <a:rPr lang="en-US" sz="1200">
+                <a:solidFill>
+                  <a:srgbClr val="595959"/>
+                </a:solidFill>
+                <a:latin typeface="Quattrocento Sans"/>
+                <a:ea typeface="Quattrocento Sans"/>
+                <a:cs typeface="Quattrocento Sans"/>
+                <a:sym typeface="Quattrocento Sans"/>
+              </a:rPr>
+              <a:t>2</a:t>
+            </a:fld>
+            <a:endParaRPr sz="1400" dirty="0">
+              <a:solidFill>
+                <a:srgbClr val="595959"/>
+              </a:solidFill>
+              <a:latin typeface="Quattrocento Sans"/>
+              <a:ea typeface="Quattrocento Sans"/>
+              <a:cs typeface="Quattrocento Sans"/>
+              <a:sym typeface="Quattrocento Sans"/>
+            </a:endParaRPr>
           </a:p>
         </p:txBody>
       </p:sp>
@@ -25539,6 +25814,82 @@
               <a:buChar char="§"/>
             </a:pPr>
             <a:endParaRPr lang="en-US" sz="2000" dirty="0"/>
+          </a:p>
+        </p:txBody>
+      </p:sp>
+      <p:sp>
+        <p:nvSpPr>
+          <p:cNvPr id="6" name="Google Shape;14;p1">
+            <a:extLst>
+              <a:ext uri="{FF2B5EF4-FFF2-40B4-BE49-F238E27FC236}">
+                <a16:creationId xmlns:a16="http://schemas.microsoft.com/office/drawing/2014/main" id="{59378402-25E0-66E6-D017-DF0B09F39492}"/>
+              </a:ext>
+            </a:extLst>
+          </p:cNvPr>
+          <p:cNvSpPr txBox="1"/>
+          <p:nvPr/>
+        </p:nvSpPr>
+        <p:spPr>
+          <a:xfrm>
+            <a:off x="8561213" y="6509536"/>
+            <a:ext cx="572955" cy="393920"/>
+          </a:xfrm>
+          <a:prstGeom prst="rect">
+            <a:avLst/>
+          </a:prstGeom>
+          <a:noFill/>
+          <a:ln>
+            <a:noFill/>
+          </a:ln>
+        </p:spPr>
+        <p:txBody>
+          <a:bodyPr spcFirstLastPara="1" wrap="square" lIns="88375" tIns="88375" rIns="88375" bIns="88375" anchor="ctr" anchorCtr="0">
+            <a:spAutoFit/>
+          </a:bodyPr>
+          <a:lstStyle/>
+          <a:p>
+            <a:pPr marL="0" lvl="0" indent="0" algn="r" rtl="0">
+              <a:spcBef>
+                <a:spcPts val="0"/>
+              </a:spcBef>
+              <a:spcAft>
+                <a:spcPts val="0"/>
+              </a:spcAft>
+              <a:buNone/>
+            </a:pPr>
+            <a:r>
+              <a:rPr lang="en-US" sz="1400" dirty="0">
+                <a:solidFill>
+                  <a:srgbClr val="595959"/>
+                </a:solidFill>
+                <a:latin typeface="Quattrocento Sans"/>
+                <a:ea typeface="Quattrocento Sans"/>
+                <a:cs typeface="Quattrocento Sans"/>
+                <a:sym typeface="Quattrocento Sans"/>
+              </a:rPr>
+              <a:t> </a:t>
+            </a:r>
+            <a:fld id="{00000000-1234-1234-1234-123412341234}" type="slidenum">
+              <a:rPr lang="en-US" sz="1200">
+                <a:solidFill>
+                  <a:srgbClr val="595959"/>
+                </a:solidFill>
+                <a:latin typeface="Quattrocento Sans"/>
+                <a:ea typeface="Quattrocento Sans"/>
+                <a:cs typeface="Quattrocento Sans"/>
+                <a:sym typeface="Quattrocento Sans"/>
+              </a:rPr>
+              <a:t>3</a:t>
+            </a:fld>
+            <a:endParaRPr sz="1400" dirty="0">
+              <a:solidFill>
+                <a:srgbClr val="595959"/>
+              </a:solidFill>
+              <a:latin typeface="Quattrocento Sans"/>
+              <a:ea typeface="Quattrocento Sans"/>
+              <a:cs typeface="Quattrocento Sans"/>
+              <a:sym typeface="Quattrocento Sans"/>
+            </a:endParaRPr>
           </a:p>
         </p:txBody>
       </p:sp>

--- a/PPTs/Lecture 14-minimum spanning trees.pptx
+++ b/PPTs/Lecture 14-minimum spanning trees.pptx
@@ -236,7 +236,7 @@
           <a:p>
             <a:fld id="{1B0CF57B-C747-FC49-8C8F-81AE37C96CA4}" type="datetimeFigureOut">
               <a:rPr lang="en-US" smtClean="0"/>
-              <a:t>4/20/2025</a:t>
+              <a:t>4/23/2025</a:t>
             </a:fld>
             <a:endParaRPr lang="en-US"/>
           </a:p>
@@ -1693,7 +1693,7 @@
           <a:p>
             <a:fld id="{FB221443-D73C-634A-A910-7320408C156D}" type="datetimeFigureOut">
               <a:rPr lang="en-US" smtClean="0"/>
-              <a:t>4/20/2025</a:t>
+              <a:t>4/23/2025</a:t>
             </a:fld>
             <a:endParaRPr lang="en-US"/>
           </a:p>
@@ -1871,7 +1871,7 @@
           <a:p>
             <a:fld id="{FB221443-D73C-634A-A910-7320408C156D}" type="datetimeFigureOut">
               <a:rPr lang="en-US" smtClean="0"/>
-              <a:t>4/20/2025</a:t>
+              <a:t>4/23/2025</a:t>
             </a:fld>
             <a:endParaRPr lang="en-US"/>
           </a:p>
@@ -2059,7 +2059,7 @@
           <a:p>
             <a:fld id="{FB221443-D73C-634A-A910-7320408C156D}" type="datetimeFigureOut">
               <a:rPr lang="en-US" smtClean="0"/>
-              <a:t>4/20/2025</a:t>
+              <a:t>4/23/2025</a:t>
             </a:fld>
             <a:endParaRPr lang="en-US"/>
           </a:p>
@@ -2237,7 +2237,7 @@
           <a:p>
             <a:fld id="{FB221443-D73C-634A-A910-7320408C156D}" type="datetimeFigureOut">
               <a:rPr lang="en-US" smtClean="0"/>
-              <a:t>4/20/2025</a:t>
+              <a:t>4/23/2025</a:t>
             </a:fld>
             <a:endParaRPr lang="en-US"/>
           </a:p>
@@ -2491,7 +2491,7 @@
           <a:p>
             <a:fld id="{FB221443-D73C-634A-A910-7320408C156D}" type="datetimeFigureOut">
               <a:rPr lang="en-US" smtClean="0"/>
-              <a:t>4/20/2025</a:t>
+              <a:t>4/23/2025</a:t>
             </a:fld>
             <a:endParaRPr lang="en-US"/>
           </a:p>
@@ -2787,7 +2787,7 @@
           <a:p>
             <a:fld id="{FB221443-D73C-634A-A910-7320408C156D}" type="datetimeFigureOut">
               <a:rPr lang="en-US" smtClean="0"/>
-              <a:t>4/20/2025</a:t>
+              <a:t>4/23/2025</a:t>
             </a:fld>
             <a:endParaRPr lang="en-US"/>
           </a:p>
@@ -3217,7 +3217,7 @@
           <a:p>
             <a:fld id="{FB221443-D73C-634A-A910-7320408C156D}" type="datetimeFigureOut">
               <a:rPr lang="en-US" smtClean="0"/>
-              <a:t>4/20/2025</a:t>
+              <a:t>4/23/2025</a:t>
             </a:fld>
             <a:endParaRPr lang="en-US"/>
           </a:p>
@@ -3343,7 +3343,7 @@
           <a:p>
             <a:fld id="{FB221443-D73C-634A-A910-7320408C156D}" type="datetimeFigureOut">
               <a:rPr lang="en-US" smtClean="0"/>
-              <a:t>4/20/2025</a:t>
+              <a:t>4/23/2025</a:t>
             </a:fld>
             <a:endParaRPr lang="en-US"/>
           </a:p>
@@ -3446,7 +3446,7 @@
           <a:p>
             <a:fld id="{FB221443-D73C-634A-A910-7320408C156D}" type="datetimeFigureOut">
               <a:rPr lang="en-US" smtClean="0"/>
-              <a:t>4/20/2025</a:t>
+              <a:t>4/23/2025</a:t>
             </a:fld>
             <a:endParaRPr lang="en-US"/>
           </a:p>
@@ -3731,7 +3731,7 @@
           <a:p>
             <a:fld id="{FB221443-D73C-634A-A910-7320408C156D}" type="datetimeFigureOut">
               <a:rPr lang="en-US" smtClean="0"/>
-              <a:t>4/20/2025</a:t>
+              <a:t>4/23/2025</a:t>
             </a:fld>
             <a:endParaRPr lang="en-US"/>
           </a:p>
@@ -3992,7 +3992,7 @@
           <a:p>
             <a:fld id="{FB221443-D73C-634A-A910-7320408C156D}" type="datetimeFigureOut">
               <a:rPr lang="en-US" smtClean="0"/>
-              <a:t>4/20/2025</a:t>
+              <a:t>4/23/2025</a:t>
             </a:fld>
             <a:endParaRPr lang="en-US"/>
           </a:p>
@@ -4213,7 +4213,7 @@
           <a:p>
             <a:fld id="{FB221443-D73C-634A-A910-7320408C156D}" type="datetimeFigureOut">
               <a:rPr lang="en-US" smtClean="0"/>
-              <a:t>4/20/2025</a:t>
+              <a:t>4/23/2025</a:t>
             </a:fld>
             <a:endParaRPr lang="en-US"/>
           </a:p>
@@ -6753,36 +6753,6 @@
           <a:chExt cx="0" cy="0"/>
         </a:xfrm>
       </p:grpSpPr>
-      <p:sp>
-        <p:nvSpPr>
-          <p:cNvPr id="2" name="Title 1">
-            <a:extLst>
-              <a:ext uri="{FF2B5EF4-FFF2-40B4-BE49-F238E27FC236}">
-                <a16:creationId xmlns:a16="http://schemas.microsoft.com/office/drawing/2014/main" id="{4D405CB4-01C0-C1F9-4414-FF3A7EF37EDB}"/>
-              </a:ext>
-            </a:extLst>
-          </p:cNvPr>
-          <p:cNvSpPr>
-            <a:spLocks noGrp="1"/>
-          </p:cNvSpPr>
-          <p:nvPr>
-            <p:ph type="title"/>
-          </p:nvPr>
-        </p:nvSpPr>
-        <p:spPr>
-          <a:xfrm>
-            <a:off x="385191" y="1844883"/>
-            <a:ext cx="8229600" cy="1143000"/>
-          </a:xfrm>
-        </p:spPr>
-        <p:txBody>
-          <a:bodyPr/>
-          <a:lstStyle/>
-          <a:p>
-            <a:endParaRPr lang="en-SE"/>
-          </a:p>
-        </p:txBody>
-      </p:sp>
       <p:pic>
         <p:nvPicPr>
           <p:cNvPr id="3074" name="Picture 2">
@@ -6902,36 +6872,6 @@
       </p:pic>
       <p:sp>
         <p:nvSpPr>
-          <p:cNvPr id="4" name="Content Placeholder 3">
-            <a:extLst>
-              <a:ext uri="{FF2B5EF4-FFF2-40B4-BE49-F238E27FC236}">
-                <a16:creationId xmlns:a16="http://schemas.microsoft.com/office/drawing/2014/main" id="{A76B9933-08EC-6C6E-DE5F-4A5B3EE0446B}"/>
-              </a:ext>
-            </a:extLst>
-          </p:cNvPr>
-          <p:cNvSpPr>
-            <a:spLocks noGrp="1"/>
-          </p:cNvSpPr>
-          <p:nvPr>
-            <p:ph idx="1"/>
-          </p:nvPr>
-        </p:nvSpPr>
-        <p:spPr>
-          <a:xfrm>
-            <a:off x="457200" y="1600200"/>
-            <a:ext cx="8229600" cy="484239"/>
-          </a:xfrm>
-        </p:spPr>
-        <p:txBody>
-          <a:bodyPr/>
-          <a:lstStyle/>
-          <a:p>
-            <a:endParaRPr lang="en-SE" dirty="0"/>
-          </a:p>
-        </p:txBody>
-      </p:sp>
-      <p:sp>
-        <p:nvSpPr>
           <p:cNvPr id="5" name="TextBox 4">
             <a:extLst>
               <a:ext uri="{FF2B5EF4-FFF2-40B4-BE49-F238E27FC236}">
@@ -7048,6 +6988,36 @@
           <a:chExt cx="0" cy="0"/>
         </a:xfrm>
       </p:grpSpPr>
+      <p:pic>
+        <p:nvPicPr>
+          <p:cNvPr id="6" name="Picture 5">
+            <a:extLst>
+              <a:ext uri="{FF2B5EF4-FFF2-40B4-BE49-F238E27FC236}">
+                <a16:creationId xmlns:a16="http://schemas.microsoft.com/office/drawing/2014/main" id="{EC3CC579-7756-F7CC-11EC-036C228B6C4F}"/>
+              </a:ext>
+            </a:extLst>
+          </p:cNvPr>
+          <p:cNvPicPr>
+            <a:picLocks noChangeAspect="1"/>
+          </p:cNvPicPr>
+          <p:nvPr/>
+        </p:nvPicPr>
+        <p:blipFill>
+          <a:blip r:embed="rId2"/>
+          <a:stretch>
+            <a:fillRect/>
+          </a:stretch>
+        </p:blipFill>
+        <p:spPr>
+          <a:xfrm>
+            <a:off x="5019372" y="2819062"/>
+            <a:ext cx="4060624" cy="2666678"/>
+          </a:xfrm>
+          <a:prstGeom prst="rect">
+            <a:avLst/>
+          </a:prstGeom>
+        </p:spPr>
+      </p:pic>
       <p:sp>
         <p:nvSpPr>
           <p:cNvPr id="2" name="Title 1">
@@ -7211,7 +7181,7 @@
         </p:nvSpPr>
         <p:spPr>
           <a:xfrm>
-            <a:off x="3435929" y="2888867"/>
+            <a:off x="1798490" y="2501243"/>
             <a:ext cx="466308" cy="486763"/>
           </a:xfrm>
           <a:prstGeom prst="ellipse">
@@ -7270,7 +7240,7 @@
         </p:nvCxnSpPr>
         <p:spPr>
           <a:xfrm flipH="1" flipV="1">
-            <a:off x="3833949" y="3304346"/>
+            <a:off x="2196510" y="2916722"/>
             <a:ext cx="934059" cy="1090836"/>
           </a:xfrm>
           <a:prstGeom prst="line">
@@ -7317,7 +7287,7 @@
         </p:nvCxnSpPr>
         <p:spPr>
           <a:xfrm>
-            <a:off x="5506585" y="3673658"/>
+            <a:off x="3869146" y="3286034"/>
             <a:ext cx="1114828" cy="2025913"/>
           </a:xfrm>
           <a:prstGeom prst="line">
@@ -7364,7 +7334,7 @@
         </p:nvCxnSpPr>
         <p:spPr>
           <a:xfrm flipV="1">
-            <a:off x="4298557" y="4739377"/>
+            <a:off x="2661118" y="4351753"/>
             <a:ext cx="469451" cy="470850"/>
           </a:xfrm>
           <a:prstGeom prst="line">
@@ -7411,7 +7381,7 @@
         </p:nvCxnSpPr>
         <p:spPr>
           <a:xfrm flipH="1" flipV="1">
-            <a:off x="3902237" y="3132249"/>
+            <a:off x="2264798" y="2744625"/>
             <a:ext cx="1206329" cy="369312"/>
           </a:xfrm>
           <a:prstGeom prst="line">
@@ -7458,7 +7428,7 @@
         </p:nvCxnSpPr>
         <p:spPr>
           <a:xfrm>
-            <a:off x="2044663" y="4575266"/>
+            <a:off x="407224" y="4187642"/>
             <a:ext cx="233154" cy="907873"/>
           </a:xfrm>
           <a:prstGeom prst="line">
@@ -7505,7 +7475,7 @@
         </p:nvCxnSpPr>
         <p:spPr>
           <a:xfrm flipH="1">
-            <a:off x="3338047" y="3375630"/>
+            <a:off x="1700608" y="2988006"/>
             <a:ext cx="331037" cy="890952"/>
           </a:xfrm>
           <a:prstGeom prst="line">
@@ -7552,7 +7522,7 @@
         </p:nvCxnSpPr>
         <p:spPr>
           <a:xfrm>
-            <a:off x="3338047" y="4753345"/>
+            <a:off x="1700608" y="4365721"/>
             <a:ext cx="630779" cy="456882"/>
           </a:xfrm>
           <a:prstGeom prst="line">
@@ -7599,7 +7569,7 @@
         </p:nvCxnSpPr>
         <p:spPr>
           <a:xfrm flipV="1">
-            <a:off x="2442682" y="4682061"/>
+            <a:off x="805243" y="4294437"/>
             <a:ext cx="730499" cy="872361"/>
           </a:xfrm>
           <a:prstGeom prst="line">
@@ -7646,7 +7616,7 @@
         </p:nvCxnSpPr>
         <p:spPr>
           <a:xfrm>
-            <a:off x="2510971" y="5726520"/>
+            <a:off x="873532" y="5338896"/>
             <a:ext cx="3877288" cy="216432"/>
           </a:xfrm>
           <a:prstGeom prst="line">
@@ -7693,7 +7663,7 @@
         </p:nvCxnSpPr>
         <p:spPr>
           <a:xfrm>
-            <a:off x="4366846" y="5382325"/>
+            <a:off x="2729407" y="4994701"/>
             <a:ext cx="2021414" cy="560627"/>
           </a:xfrm>
           <a:prstGeom prst="line">
@@ -7740,7 +7710,7 @@
         </p:nvCxnSpPr>
         <p:spPr>
           <a:xfrm flipH="1">
-            <a:off x="2510971" y="5382325"/>
+            <a:off x="873532" y="4994701"/>
             <a:ext cx="1389567" cy="344195"/>
           </a:xfrm>
           <a:prstGeom prst="line">
@@ -7787,7 +7757,7 @@
         </p:nvCxnSpPr>
         <p:spPr>
           <a:xfrm>
-            <a:off x="2277817" y="4331884"/>
+            <a:off x="640378" y="3944260"/>
             <a:ext cx="827076" cy="178080"/>
           </a:xfrm>
           <a:prstGeom prst="line">
@@ -7834,7 +7804,7 @@
         </p:nvCxnSpPr>
         <p:spPr>
           <a:xfrm flipH="1" flipV="1">
-            <a:off x="3571201" y="4509964"/>
+            <a:off x="1933762" y="4122340"/>
             <a:ext cx="1128518" cy="57316"/>
           </a:xfrm>
           <a:prstGeom prst="line">
@@ -7881,7 +7851,7 @@
         </p:nvCxnSpPr>
         <p:spPr>
           <a:xfrm flipH="1">
-            <a:off x="2209528" y="3304346"/>
+            <a:off x="572089" y="2916722"/>
             <a:ext cx="1294689" cy="855440"/>
           </a:xfrm>
           <a:prstGeom prst="line">
@@ -7924,7 +7894,7 @@
         </p:nvSpPr>
         <p:spPr>
           <a:xfrm>
-            <a:off x="4699719" y="4323898"/>
+            <a:off x="3062280" y="3936274"/>
             <a:ext cx="466308" cy="486763"/>
           </a:xfrm>
           <a:prstGeom prst="ellipse">
@@ -7979,7 +7949,7 @@
         </p:nvSpPr>
         <p:spPr>
           <a:xfrm>
-            <a:off x="5108566" y="3258179"/>
+            <a:off x="3471127" y="2870555"/>
             <a:ext cx="466308" cy="486763"/>
           </a:xfrm>
           <a:prstGeom prst="ellipse">
@@ -8034,7 +8004,7 @@
         </p:nvSpPr>
         <p:spPr>
           <a:xfrm>
-            <a:off x="2044663" y="5483139"/>
+            <a:off x="407224" y="5095515"/>
             <a:ext cx="466308" cy="486763"/>
           </a:xfrm>
           <a:prstGeom prst="ellipse">
@@ -8089,7 +8059,7 @@
         </p:nvSpPr>
         <p:spPr>
           <a:xfrm>
-            <a:off x="1811509" y="4088502"/>
+            <a:off x="174070" y="3700878"/>
             <a:ext cx="466308" cy="486763"/>
           </a:xfrm>
           <a:prstGeom prst="ellipse">
@@ -8144,7 +8114,7 @@
         </p:nvSpPr>
         <p:spPr>
           <a:xfrm>
-            <a:off x="6388259" y="5699571"/>
+            <a:off x="4750820" y="5311947"/>
             <a:ext cx="466308" cy="486763"/>
           </a:xfrm>
           <a:prstGeom prst="ellipse">
@@ -8199,7 +8169,7 @@
         </p:nvSpPr>
         <p:spPr>
           <a:xfrm>
-            <a:off x="3900538" y="5138943"/>
+            <a:off x="2263099" y="4751319"/>
             <a:ext cx="466308" cy="486763"/>
           </a:xfrm>
           <a:prstGeom prst="ellipse">
@@ -8254,7 +8224,7 @@
         </p:nvSpPr>
         <p:spPr>
           <a:xfrm>
-            <a:off x="3104893" y="4266582"/>
+            <a:off x="1467454" y="3878958"/>
             <a:ext cx="466308" cy="486763"/>
           </a:xfrm>
           <a:prstGeom prst="ellipse">
@@ -8313,7 +8283,7 @@
         </p:nvCxnSpPr>
         <p:spPr>
           <a:xfrm flipH="1">
-            <a:off x="4932873" y="3744942"/>
+            <a:off x="3295434" y="3357318"/>
             <a:ext cx="408847" cy="578956"/>
           </a:xfrm>
           <a:prstGeom prst="line">
@@ -8360,7 +8330,7 @@
         </p:nvCxnSpPr>
         <p:spPr>
           <a:xfrm>
-            <a:off x="5097738" y="4739377"/>
+            <a:off x="3460299" y="4351753"/>
             <a:ext cx="1358809" cy="1031478"/>
           </a:xfrm>
           <a:prstGeom prst="line">
@@ -8403,7 +8373,7 @@
         </p:nvSpPr>
         <p:spPr>
           <a:xfrm>
-            <a:off x="4428914" y="4923862"/>
+            <a:off x="2791475" y="4536238"/>
             <a:ext cx="182880" cy="169278"/>
           </a:xfrm>
           <a:prstGeom prst="rect">
@@ -8448,7 +8418,7 @@
         </p:nvSpPr>
         <p:spPr>
           <a:xfrm>
-            <a:off x="4997695" y="3954032"/>
+            <a:off x="3360256" y="3566408"/>
             <a:ext cx="182880" cy="169278"/>
           </a:xfrm>
           <a:prstGeom prst="rect">
@@ -8493,7 +8463,7 @@
         </p:nvSpPr>
         <p:spPr>
           <a:xfrm>
-            <a:off x="3501524" y="4893909"/>
+            <a:off x="1864085" y="4506285"/>
             <a:ext cx="209449" cy="169278"/>
           </a:xfrm>
           <a:prstGeom prst="rect">
@@ -8538,7 +8508,7 @@
         </p:nvSpPr>
         <p:spPr>
           <a:xfrm>
-            <a:off x="3393303" y="3757151"/>
+            <a:off x="1755864" y="3369527"/>
             <a:ext cx="182880" cy="169278"/>
           </a:xfrm>
           <a:prstGeom prst="rect">
@@ -8583,7 +8553,7 @@
         </p:nvSpPr>
         <p:spPr>
           <a:xfrm>
-            <a:off x="4170283" y="3736461"/>
+            <a:off x="2532844" y="3348837"/>
             <a:ext cx="182880" cy="169278"/>
           </a:xfrm>
           <a:prstGeom prst="rect">
@@ -8628,7 +8598,7 @@
         </p:nvSpPr>
         <p:spPr>
           <a:xfrm>
-            <a:off x="2552697" y="4367923"/>
+            <a:off x="915258" y="3980299"/>
             <a:ext cx="182880" cy="169278"/>
           </a:xfrm>
           <a:prstGeom prst="rect">
@@ -8673,7 +8643,7 @@
         </p:nvSpPr>
         <p:spPr>
           <a:xfrm>
-            <a:off x="4459722" y="3219705"/>
+            <a:off x="2822283" y="2832081"/>
             <a:ext cx="182880" cy="169278"/>
           </a:xfrm>
           <a:prstGeom prst="rect">
@@ -8718,7 +8688,7 @@
         </p:nvSpPr>
         <p:spPr>
           <a:xfrm>
-            <a:off x="2752148" y="3646338"/>
+            <a:off x="1114709" y="3258714"/>
             <a:ext cx="182880" cy="169278"/>
           </a:xfrm>
           <a:prstGeom prst="rect">
@@ -8763,7 +8733,7 @@
         </p:nvSpPr>
         <p:spPr>
           <a:xfrm>
-            <a:off x="4037243" y="4436908"/>
+            <a:off x="2399804" y="4049284"/>
             <a:ext cx="209449" cy="169278"/>
           </a:xfrm>
           <a:prstGeom prst="rect">
@@ -8808,7 +8778,7 @@
         </p:nvSpPr>
         <p:spPr>
           <a:xfrm>
-            <a:off x="2062954" y="4912754"/>
+            <a:off x="425515" y="4525130"/>
             <a:ext cx="182880" cy="169278"/>
           </a:xfrm>
           <a:prstGeom prst="rect">
@@ -8853,7 +8823,7 @@
         </p:nvSpPr>
         <p:spPr>
           <a:xfrm>
-            <a:off x="2752781" y="4958246"/>
+            <a:off x="1115342" y="4570622"/>
             <a:ext cx="182880" cy="169278"/>
           </a:xfrm>
           <a:prstGeom prst="rect">
@@ -8898,7 +8868,7 @@
         </p:nvSpPr>
         <p:spPr>
           <a:xfrm>
-            <a:off x="3193437" y="5433116"/>
+            <a:off x="1555998" y="5045492"/>
             <a:ext cx="182880" cy="169278"/>
           </a:xfrm>
           <a:prstGeom prst="rect">
@@ -8943,7 +8913,7 @@
         </p:nvSpPr>
         <p:spPr>
           <a:xfrm>
-            <a:off x="5463042" y="5078163"/>
+            <a:off x="3825603" y="4690539"/>
             <a:ext cx="182880" cy="169278"/>
           </a:xfrm>
           <a:prstGeom prst="rect">
@@ -8988,7 +8958,7 @@
         </p:nvSpPr>
         <p:spPr>
           <a:xfrm>
-            <a:off x="5846758" y="4422172"/>
+            <a:off x="4209319" y="4034548"/>
             <a:ext cx="182880" cy="169278"/>
           </a:xfrm>
           <a:prstGeom prst="rect">
@@ -9033,7 +9003,7 @@
         </p:nvSpPr>
         <p:spPr>
           <a:xfrm>
-            <a:off x="4908275" y="5503966"/>
+            <a:off x="3270836" y="5116342"/>
             <a:ext cx="182880" cy="169278"/>
           </a:xfrm>
           <a:prstGeom prst="rect">
@@ -9078,7 +9048,7 @@
         </p:nvSpPr>
         <p:spPr>
           <a:xfrm>
-            <a:off x="4174844" y="5754655"/>
+            <a:off x="2537405" y="5367031"/>
             <a:ext cx="182880" cy="169278"/>
           </a:xfrm>
           <a:prstGeom prst="rect">
@@ -9103,6 +9073,115 @@
               <a:t>17</a:t>
             </a:r>
             <a:endParaRPr lang="en-US" sz="1100" dirty="0">
+              <a:latin typeface="Arial" panose="020B0604020202020204" pitchFamily="34" charset="0"/>
+              <a:cs typeface="Arial" panose="020B0604020202020204" pitchFamily="34" charset="0"/>
+            </a:endParaRPr>
+          </a:p>
+        </p:txBody>
+      </p:sp>
+      <p:sp>
+        <p:nvSpPr>
+          <p:cNvPr id="3" name="TextBox 2">
+            <a:extLst>
+              <a:ext uri="{FF2B5EF4-FFF2-40B4-BE49-F238E27FC236}">
+                <a16:creationId xmlns:a16="http://schemas.microsoft.com/office/drawing/2014/main" id="{524E4621-4AFE-B3CA-B4C9-6A887057041D}"/>
+              </a:ext>
+            </a:extLst>
+          </p:cNvPr>
+          <p:cNvSpPr txBox="1"/>
+          <p:nvPr/>
+        </p:nvSpPr>
+        <p:spPr>
+          <a:xfrm>
+            <a:off x="2580967" y="6289849"/>
+            <a:ext cx="3982065" cy="523220"/>
+          </a:xfrm>
+          <a:prstGeom prst="rect">
+            <a:avLst/>
+          </a:prstGeom>
+          <a:ln w="12700"/>
+        </p:spPr>
+        <p:style>
+          <a:lnRef idx="2">
+            <a:schemeClr val="accent2"/>
+          </a:lnRef>
+          <a:fillRef idx="1">
+            <a:schemeClr val="lt1"/>
+          </a:fillRef>
+          <a:effectRef idx="0">
+            <a:schemeClr val="accent2"/>
+          </a:effectRef>
+          <a:fontRef idx="minor">
+            <a:schemeClr val="dk1"/>
+          </a:fontRef>
+        </p:style>
+        <p:txBody>
+          <a:bodyPr wrap="square">
+            <a:spAutoFit/>
+          </a:bodyPr>
+          <a:lstStyle/>
+          <a:p>
+            <a:r>
+              <a:rPr lang="en-GB" sz="1400" dirty="0"/>
+              <a:t>Prim's algorithm in 2 minutes</a:t>
+            </a:r>
+          </a:p>
+          <a:p>
+            <a:r>
+              <a:rPr lang="en-GB" sz="1400" dirty="0">
+                <a:hlinkClick r:id="rId3"/>
+              </a:rPr>
+              <a:t>https://www.youtube.com/watch?v=cplfcGZmX7I</a:t>
+            </a:r>
+            <a:r>
+              <a:rPr lang="en-GB" sz="1400" dirty="0"/>
+              <a:t>  </a:t>
+            </a:r>
+          </a:p>
+        </p:txBody>
+      </p:sp>
+      <p:sp>
+        <p:nvSpPr>
+          <p:cNvPr id="7" name="TextBox 6">
+            <a:extLst>
+              <a:ext uri="{FF2B5EF4-FFF2-40B4-BE49-F238E27FC236}">
+                <a16:creationId xmlns:a16="http://schemas.microsoft.com/office/drawing/2014/main" id="{5BFFE545-9337-2A81-6CCF-4ED3FDF597D4}"/>
+              </a:ext>
+            </a:extLst>
+          </p:cNvPr>
+          <p:cNvSpPr txBox="1"/>
+          <p:nvPr/>
+        </p:nvSpPr>
+        <p:spPr>
+          <a:xfrm>
+            <a:off x="6557535" y="5397809"/>
+            <a:ext cx="1527982" cy="338554"/>
+          </a:xfrm>
+          <a:prstGeom prst="rect">
+            <a:avLst/>
+          </a:prstGeom>
+          <a:noFill/>
+        </p:spPr>
+        <p:txBody>
+          <a:bodyPr wrap="none" rtlCol="0">
+            <a:spAutoFit/>
+          </a:bodyPr>
+          <a:lstStyle/>
+          <a:p>
+            <a:r>
+              <a:rPr lang="en-GB" altLang="zh-CN" sz="1600" dirty="0">
+                <a:solidFill>
+                  <a:schemeClr val="accent2"/>
+                </a:solidFill>
+                <a:latin typeface="Arial" panose="020B0604020202020204" pitchFamily="34" charset="0"/>
+                <a:cs typeface="Arial" panose="020B0604020202020204" pitchFamily="34" charset="0"/>
+              </a:rPr>
+              <a:t>Resulting MST</a:t>
+            </a:r>
+            <a:endParaRPr lang="en-US" sz="1600" dirty="0">
+              <a:solidFill>
+                <a:schemeClr val="accent2"/>
+              </a:solidFill>
               <a:latin typeface="Arial" panose="020B0604020202020204" pitchFamily="34" charset="0"/>
               <a:cs typeface="Arial" panose="020B0604020202020204" pitchFamily="34" charset="0"/>
             </a:endParaRPr>
@@ -15210,33 +15289,40 @@
             <p:ph type="title"/>
           </p:nvPr>
         </p:nvSpPr>
-        <p:spPr/>
+        <p:spPr>
+          <a:xfrm>
+            <a:off x="457200" y="274638"/>
+            <a:ext cx="5427024" cy="1143000"/>
+          </a:xfrm>
+        </p:spPr>
         <p:txBody>
-          <a:bodyPr/>
+          <a:bodyPr>
+            <a:normAutofit/>
+          </a:bodyPr>
           <a:lstStyle/>
           <a:p>
             <a:r>
-              <a:rPr lang="en-US" spc="-15" dirty="0">
+              <a:rPr lang="en-US" sz="2800" spc="-15" dirty="0">
                 <a:latin typeface="Arial"/>
                 <a:cs typeface="Arial"/>
               </a:rPr>
               <a:t>Kruskal’s </a:t>
             </a:r>
             <a:r>
-              <a:rPr lang="en-US" altLang="zh-CN" spc="45" dirty="0">
+              <a:rPr lang="en-US" altLang="zh-CN" sz="2800" spc="45" dirty="0">
                 <a:latin typeface="Arial"/>
                 <a:cs typeface="Arial"/>
               </a:rPr>
               <a:t>A</a:t>
             </a:r>
             <a:r>
-              <a:rPr lang="en-US" spc="45" dirty="0">
+              <a:rPr lang="en-US" sz="2800" spc="45" dirty="0">
                 <a:latin typeface="Arial"/>
                 <a:cs typeface="Arial"/>
               </a:rPr>
               <a:t>lgorithm Example 2</a:t>
             </a:r>
-            <a:endParaRPr lang="en-US" dirty="0"/>
+            <a:endParaRPr lang="en-US" sz="2800" dirty="0"/>
           </a:p>
         </p:txBody>
       </p:sp>
@@ -16519,7 +16605,13 @@
           <p:cNvGraphicFramePr>
             <a:graphicFrameLocks noGrp="1"/>
           </p:cNvGraphicFramePr>
-          <p:nvPr/>
+          <p:nvPr>
+            <p:extLst>
+              <p:ext uri="{D42A27DB-BD31-4B8C-83A1-F6EECF244321}">
+                <p14:modId xmlns:p14="http://schemas.microsoft.com/office/powerpoint/2010/main" val="1389664896"/>
+              </p:ext>
+            </p:extLst>
+          </p:nvPr>
         </p:nvGraphicFramePr>
         <p:xfrm>
           <a:off x="6936523" y="2250549"/>
@@ -17984,7 +18076,7 @@
                           <a:latin typeface="Arial" panose="020B0604020202020204" pitchFamily="34" charset="0"/>
                           <a:cs typeface="Arial" panose="020B0604020202020204" pitchFamily="34" charset="0"/>
                         </a:rPr>
-                        <a:t>10</a:t>
+                        <a:t>11</a:t>
                       </a:r>
                     </a:p>
                   </a:txBody>
@@ -18129,7 +18221,7 @@
                           <a:latin typeface="Arial" panose="020B0604020202020204" pitchFamily="34" charset="0"/>
                           <a:cs typeface="Arial" panose="020B0604020202020204" pitchFamily="34" charset="0"/>
                         </a:rPr>
-                        <a:t>11</a:t>
+                        <a:t>12</a:t>
                       </a:r>
                     </a:p>
                   </a:txBody>
@@ -18274,7 +18366,7 @@
                           <a:latin typeface="Arial" panose="020B0604020202020204" pitchFamily="34" charset="0"/>
                           <a:cs typeface="Arial" panose="020B0604020202020204" pitchFamily="34" charset="0"/>
                         </a:rPr>
-                        <a:t>12</a:t>
+                        <a:t>13</a:t>
                       </a:r>
                     </a:p>
                   </a:txBody>
@@ -18419,7 +18511,7 @@
                           <a:latin typeface="Arial" panose="020B0604020202020204" pitchFamily="34" charset="0"/>
                           <a:cs typeface="Arial" panose="020B0604020202020204" pitchFamily="34" charset="0"/>
                         </a:rPr>
-                        <a:t>13</a:t>
+                        <a:t>14</a:t>
                       </a:r>
                     </a:p>
                   </a:txBody>
@@ -18564,7 +18656,7 @@
                           <a:latin typeface="Arial" panose="020B0604020202020204" pitchFamily="34" charset="0"/>
                           <a:cs typeface="Arial" panose="020B0604020202020204" pitchFamily="34" charset="0"/>
                         </a:rPr>
-                        <a:t>14</a:t>
+                        <a:t>15</a:t>
                       </a:r>
                     </a:p>
                   </a:txBody>
@@ -18709,7 +18801,7 @@
                           <a:latin typeface="Arial" panose="020B0604020202020204" pitchFamily="34" charset="0"/>
                           <a:cs typeface="Arial" panose="020B0604020202020204" pitchFamily="34" charset="0"/>
                         </a:rPr>
-                        <a:t>15</a:t>
+                        <a:t>16</a:t>
                       </a:r>
                     </a:p>
                   </a:txBody>
@@ -18854,7 +18946,7 @@
                           <a:latin typeface="Arial" panose="020B0604020202020204" pitchFamily="34" charset="0"/>
                           <a:cs typeface="Arial" panose="020B0604020202020204" pitchFamily="34" charset="0"/>
                         </a:rPr>
-                        <a:t>16</a:t>
+                        <a:t>17</a:t>
                       </a:r>
                     </a:p>
                   </a:txBody>
@@ -19557,43 +19649,6 @@
       </p:sp>
       <p:sp>
         <p:nvSpPr>
-          <p:cNvPr id="65" name="Rectangle 64">
-            <a:extLst>
-              <a:ext uri="{FF2B5EF4-FFF2-40B4-BE49-F238E27FC236}">
-                <a16:creationId xmlns:a16="http://schemas.microsoft.com/office/drawing/2014/main" id="{00A3CB5E-95C2-2348-8BD4-C4CB469E172E}"/>
-              </a:ext>
-            </a:extLst>
-          </p:cNvPr>
-          <p:cNvSpPr/>
-          <p:nvPr/>
-        </p:nvSpPr>
-        <p:spPr>
-          <a:xfrm>
-            <a:off x="2405075" y="5969552"/>
-            <a:ext cx="2403222" cy="369332"/>
-          </a:xfrm>
-          <a:prstGeom prst="rect">
-            <a:avLst/>
-          </a:prstGeom>
-        </p:spPr>
-        <p:txBody>
-          <a:bodyPr wrap="none">
-            <a:spAutoFit/>
-          </a:bodyPr>
-          <a:lstStyle/>
-          <a:p>
-            <a:r>
-              <a:rPr lang="en-US" dirty="0">
-                <a:latin typeface="Times New Roman" panose="02020603050405020304" pitchFamily="18" charset="0"/>
-                <a:cs typeface="Times New Roman" panose="02020603050405020304" pitchFamily="18" charset="0"/>
-              </a:rPr>
-              <a:t>an edge-weighted graph</a:t>
-            </a:r>
-          </a:p>
-        </p:txBody>
-      </p:sp>
-      <p:sp>
-        <p:nvSpPr>
           <p:cNvPr id="66" name="Rectangle 65">
             <a:extLst>
               <a:ext uri="{FF2B5EF4-FFF2-40B4-BE49-F238E27FC236}">
@@ -19776,6 +19831,881 @@
               <a:t> </a:t>
             </a:r>
             <a:endParaRPr lang="en-SE" sz="1400" dirty="0"/>
+          </a:p>
+        </p:txBody>
+      </p:sp>
+      <p:sp>
+        <p:nvSpPr>
+          <p:cNvPr id="48" name="Oval 47">
+            <a:extLst>
+              <a:ext uri="{FF2B5EF4-FFF2-40B4-BE49-F238E27FC236}">
+                <a16:creationId xmlns:a16="http://schemas.microsoft.com/office/drawing/2014/main" id="{10921DC2-AAAF-5900-35DB-F9B869749830}"/>
+              </a:ext>
+            </a:extLst>
+          </p:cNvPr>
+          <p:cNvSpPr/>
+          <p:nvPr/>
+        </p:nvSpPr>
+        <p:spPr>
+          <a:xfrm>
+            <a:off x="-3645849" y="3126230"/>
+            <a:ext cx="466308" cy="486763"/>
+          </a:xfrm>
+          <a:prstGeom prst="ellipse">
+            <a:avLst/>
+          </a:prstGeom>
+          <a:ln w="6350"/>
+        </p:spPr>
+        <p:style>
+          <a:lnRef idx="2">
+            <a:schemeClr val="dk1"/>
+          </a:lnRef>
+          <a:fillRef idx="1">
+            <a:schemeClr val="lt1"/>
+          </a:fillRef>
+          <a:effectRef idx="0">
+            <a:schemeClr val="dk1"/>
+          </a:effectRef>
+          <a:fontRef idx="minor">
+            <a:schemeClr val="dk1"/>
+          </a:fontRef>
+        </p:style>
+        <p:txBody>
+          <a:bodyPr rtlCol="0" anchor="ctr"/>
+          <a:lstStyle/>
+          <a:p>
+            <a:pPr algn="ctr"/>
+            <a:r>
+              <a:rPr lang="en-US" altLang="zh-CN" dirty="0">
+                <a:latin typeface="Arial" panose="020B0604020202020204" pitchFamily="34" charset="0"/>
+                <a:cs typeface="Arial" panose="020B0604020202020204" pitchFamily="34" charset="0"/>
+              </a:rPr>
+              <a:t>5</a:t>
+            </a:r>
+            <a:endParaRPr lang="en-US" dirty="0">
+              <a:latin typeface="Arial" panose="020B0604020202020204" pitchFamily="34" charset="0"/>
+              <a:cs typeface="Arial" panose="020B0604020202020204" pitchFamily="34" charset="0"/>
+            </a:endParaRPr>
+          </a:p>
+        </p:txBody>
+      </p:sp>
+      <p:sp>
+        <p:nvSpPr>
+          <p:cNvPr id="91" name="TextBox 90">
+            <a:extLst>
+              <a:ext uri="{FF2B5EF4-FFF2-40B4-BE49-F238E27FC236}">
+                <a16:creationId xmlns:a16="http://schemas.microsoft.com/office/drawing/2014/main" id="{DF640761-2060-6390-2CA7-63BD65BDEAED}"/>
+              </a:ext>
+            </a:extLst>
+          </p:cNvPr>
+          <p:cNvSpPr txBox="1"/>
+          <p:nvPr/>
+        </p:nvSpPr>
+        <p:spPr>
+          <a:xfrm>
+            <a:off x="4305741" y="3795231"/>
+            <a:ext cx="182880" cy="169278"/>
+          </a:xfrm>
+          <a:prstGeom prst="rect">
+            <a:avLst/>
+          </a:prstGeom>
+          <a:solidFill>
+            <a:schemeClr val="bg1"/>
+          </a:solidFill>
+        </p:spPr>
+        <p:txBody>
+          <a:bodyPr wrap="square" lIns="0" tIns="0" rIns="0" bIns="0" rtlCol="0" anchor="ctr">
+            <a:spAutoFit/>
+          </a:bodyPr>
+          <a:lstStyle/>
+          <a:p>
+            <a:pPr algn="ctr" fontAlgn="t" hangingPunct="0"/>
+            <a:r>
+              <a:rPr lang="en-US" altLang="zh-CN" sz="1100" dirty="0">
+                <a:latin typeface="Arial" panose="020B0604020202020204" pitchFamily="34" charset="0"/>
+                <a:cs typeface="Arial" panose="020B0604020202020204" pitchFamily="34" charset="0"/>
+              </a:rPr>
+              <a:t>2</a:t>
+            </a:r>
+            <a:endParaRPr lang="en-US" sz="1100" dirty="0">
+              <a:latin typeface="Arial" panose="020B0604020202020204" pitchFamily="34" charset="0"/>
+              <a:cs typeface="Arial" panose="020B0604020202020204" pitchFamily="34" charset="0"/>
+            </a:endParaRPr>
+          </a:p>
+        </p:txBody>
+      </p:sp>
+      <p:sp>
+        <p:nvSpPr>
+          <p:cNvPr id="93" name="TextBox 92">
+            <a:extLst>
+              <a:ext uri="{FF2B5EF4-FFF2-40B4-BE49-F238E27FC236}">
+                <a16:creationId xmlns:a16="http://schemas.microsoft.com/office/drawing/2014/main" id="{BBE278B4-512A-8427-BF0F-800FF10F1486}"/>
+              </a:ext>
+            </a:extLst>
+          </p:cNvPr>
+          <p:cNvSpPr txBox="1"/>
+          <p:nvPr/>
+        </p:nvSpPr>
+        <p:spPr>
+          <a:xfrm>
+            <a:off x="2809570" y="4735108"/>
+            <a:ext cx="209449" cy="169278"/>
+          </a:xfrm>
+          <a:prstGeom prst="rect">
+            <a:avLst/>
+          </a:prstGeom>
+          <a:solidFill>
+            <a:schemeClr val="bg1"/>
+          </a:solidFill>
+        </p:spPr>
+        <p:txBody>
+          <a:bodyPr wrap="square" lIns="0" tIns="0" rIns="0" bIns="0" rtlCol="0" anchor="ctr">
+            <a:spAutoFit/>
+          </a:bodyPr>
+          <a:lstStyle/>
+          <a:p>
+            <a:pPr algn="ctr" fontAlgn="t" hangingPunct="0"/>
+            <a:r>
+              <a:rPr lang="en-US" altLang="zh-CN" sz="1100" dirty="0">
+                <a:latin typeface="Arial" panose="020B0604020202020204" pitchFamily="34" charset="0"/>
+                <a:cs typeface="Arial" panose="020B0604020202020204" pitchFamily="34" charset="0"/>
+              </a:rPr>
+              <a:t>1</a:t>
+            </a:r>
+            <a:endParaRPr lang="en-US" sz="1100" dirty="0">
+              <a:latin typeface="Arial" panose="020B0604020202020204" pitchFamily="34" charset="0"/>
+              <a:cs typeface="Arial" panose="020B0604020202020204" pitchFamily="34" charset="0"/>
+            </a:endParaRPr>
+          </a:p>
+        </p:txBody>
+      </p:sp>
+      <p:sp>
+        <p:nvSpPr>
+          <p:cNvPr id="94" name="TextBox 93">
+            <a:extLst>
+              <a:ext uri="{FF2B5EF4-FFF2-40B4-BE49-F238E27FC236}">
+                <a16:creationId xmlns:a16="http://schemas.microsoft.com/office/drawing/2014/main" id="{ED3D9324-A76C-3EAB-D7C9-D7687793ACE8}"/>
+              </a:ext>
+            </a:extLst>
+          </p:cNvPr>
+          <p:cNvSpPr txBox="1"/>
+          <p:nvPr/>
+        </p:nvSpPr>
+        <p:spPr>
+          <a:xfrm>
+            <a:off x="2701349" y="3598350"/>
+            <a:ext cx="182880" cy="169278"/>
+          </a:xfrm>
+          <a:prstGeom prst="rect">
+            <a:avLst/>
+          </a:prstGeom>
+          <a:solidFill>
+            <a:schemeClr val="bg1"/>
+          </a:solidFill>
+        </p:spPr>
+        <p:txBody>
+          <a:bodyPr wrap="square" lIns="0" tIns="0" rIns="0" bIns="0" rtlCol="0" anchor="ctr">
+            <a:spAutoFit/>
+          </a:bodyPr>
+          <a:lstStyle/>
+          <a:p>
+            <a:pPr algn="ctr" fontAlgn="t" hangingPunct="0"/>
+            <a:r>
+              <a:rPr lang="en-US" altLang="zh-CN" sz="1100" dirty="0">
+                <a:latin typeface="Arial" panose="020B0604020202020204" pitchFamily="34" charset="0"/>
+                <a:cs typeface="Arial" panose="020B0604020202020204" pitchFamily="34" charset="0"/>
+              </a:rPr>
+              <a:t>3</a:t>
+            </a:r>
+            <a:endParaRPr lang="en-US" sz="1100" dirty="0">
+              <a:latin typeface="Arial" panose="020B0604020202020204" pitchFamily="34" charset="0"/>
+              <a:cs typeface="Arial" panose="020B0604020202020204" pitchFamily="34" charset="0"/>
+            </a:endParaRPr>
+          </a:p>
+        </p:txBody>
+      </p:sp>
+      <p:sp>
+        <p:nvSpPr>
+          <p:cNvPr id="95" name="TextBox 94">
+            <a:extLst>
+              <a:ext uri="{FF2B5EF4-FFF2-40B4-BE49-F238E27FC236}">
+                <a16:creationId xmlns:a16="http://schemas.microsoft.com/office/drawing/2014/main" id="{53C864C8-1081-1BB5-12F4-FE4384868F79}"/>
+              </a:ext>
+            </a:extLst>
+          </p:cNvPr>
+          <p:cNvSpPr txBox="1"/>
+          <p:nvPr/>
+        </p:nvSpPr>
+        <p:spPr>
+          <a:xfrm>
+            <a:off x="3478329" y="3577660"/>
+            <a:ext cx="182880" cy="169278"/>
+          </a:xfrm>
+          <a:prstGeom prst="rect">
+            <a:avLst/>
+          </a:prstGeom>
+          <a:solidFill>
+            <a:schemeClr val="bg1"/>
+          </a:solidFill>
+        </p:spPr>
+        <p:txBody>
+          <a:bodyPr wrap="square" lIns="0" tIns="0" rIns="0" bIns="0" rtlCol="0" anchor="ctr">
+            <a:spAutoFit/>
+          </a:bodyPr>
+          <a:lstStyle/>
+          <a:p>
+            <a:pPr algn="ctr" fontAlgn="t" hangingPunct="0"/>
+            <a:r>
+              <a:rPr lang="en-US" altLang="zh-CN" sz="1100" dirty="0">
+                <a:latin typeface="Arial" panose="020B0604020202020204" pitchFamily="34" charset="0"/>
+                <a:cs typeface="Arial" panose="020B0604020202020204" pitchFamily="34" charset="0"/>
+              </a:rPr>
+              <a:t>11</a:t>
+            </a:r>
+            <a:endParaRPr lang="en-US" sz="1100" dirty="0">
+              <a:latin typeface="Arial" panose="020B0604020202020204" pitchFamily="34" charset="0"/>
+              <a:cs typeface="Arial" panose="020B0604020202020204" pitchFamily="34" charset="0"/>
+            </a:endParaRPr>
+          </a:p>
+        </p:txBody>
+      </p:sp>
+      <p:sp>
+        <p:nvSpPr>
+          <p:cNvPr id="96" name="TextBox 95">
+            <a:extLst>
+              <a:ext uri="{FF2B5EF4-FFF2-40B4-BE49-F238E27FC236}">
+                <a16:creationId xmlns:a16="http://schemas.microsoft.com/office/drawing/2014/main" id="{842E5395-FFD4-5F15-5472-257FE958107E}"/>
+              </a:ext>
+            </a:extLst>
+          </p:cNvPr>
+          <p:cNvSpPr txBox="1"/>
+          <p:nvPr/>
+        </p:nvSpPr>
+        <p:spPr>
+          <a:xfrm>
+            <a:off x="1860743" y="4209122"/>
+            <a:ext cx="182880" cy="169278"/>
+          </a:xfrm>
+          <a:prstGeom prst="rect">
+            <a:avLst/>
+          </a:prstGeom>
+          <a:solidFill>
+            <a:schemeClr val="bg1"/>
+          </a:solidFill>
+        </p:spPr>
+        <p:txBody>
+          <a:bodyPr wrap="square" lIns="0" tIns="0" rIns="0" bIns="0" rtlCol="0" anchor="ctr">
+            <a:spAutoFit/>
+          </a:bodyPr>
+          <a:lstStyle/>
+          <a:p>
+            <a:pPr algn="ctr" fontAlgn="t" hangingPunct="0"/>
+            <a:r>
+              <a:rPr lang="en-US" altLang="zh-CN" sz="1100" dirty="0">
+                <a:latin typeface="Arial" panose="020B0604020202020204" pitchFamily="34" charset="0"/>
+                <a:cs typeface="Arial" panose="020B0604020202020204" pitchFamily="34" charset="0"/>
+              </a:rPr>
+              <a:t>5</a:t>
+            </a:r>
+            <a:endParaRPr lang="en-US" sz="1100" dirty="0">
+              <a:latin typeface="Arial" panose="020B0604020202020204" pitchFamily="34" charset="0"/>
+              <a:cs typeface="Arial" panose="020B0604020202020204" pitchFamily="34" charset="0"/>
+            </a:endParaRPr>
+          </a:p>
+        </p:txBody>
+      </p:sp>
+      <p:sp>
+        <p:nvSpPr>
+          <p:cNvPr id="97" name="TextBox 96">
+            <a:extLst>
+              <a:ext uri="{FF2B5EF4-FFF2-40B4-BE49-F238E27FC236}">
+                <a16:creationId xmlns:a16="http://schemas.microsoft.com/office/drawing/2014/main" id="{E910AF86-71AB-3D5C-CC53-9F37BC161D03}"/>
+              </a:ext>
+            </a:extLst>
+          </p:cNvPr>
+          <p:cNvSpPr txBox="1"/>
+          <p:nvPr/>
+        </p:nvSpPr>
+        <p:spPr>
+          <a:xfrm>
+            <a:off x="3767768" y="3060904"/>
+            <a:ext cx="182880" cy="169278"/>
+          </a:xfrm>
+          <a:prstGeom prst="rect">
+            <a:avLst/>
+          </a:prstGeom>
+          <a:solidFill>
+            <a:schemeClr val="bg1"/>
+          </a:solidFill>
+        </p:spPr>
+        <p:txBody>
+          <a:bodyPr wrap="square" lIns="0" tIns="0" rIns="0" bIns="0" rtlCol="0" anchor="ctr">
+            <a:spAutoFit/>
+          </a:bodyPr>
+          <a:lstStyle/>
+          <a:p>
+            <a:pPr algn="ctr" fontAlgn="t" hangingPunct="0"/>
+            <a:r>
+              <a:rPr lang="en-US" altLang="zh-CN" sz="1100" dirty="0">
+                <a:latin typeface="Arial" panose="020B0604020202020204" pitchFamily="34" charset="0"/>
+                <a:cs typeface="Arial" panose="020B0604020202020204" pitchFamily="34" charset="0"/>
+              </a:rPr>
+              <a:t>6</a:t>
+            </a:r>
+            <a:endParaRPr lang="en-US" sz="1100" dirty="0">
+              <a:latin typeface="Arial" panose="020B0604020202020204" pitchFamily="34" charset="0"/>
+              <a:cs typeface="Arial" panose="020B0604020202020204" pitchFamily="34" charset="0"/>
+            </a:endParaRPr>
+          </a:p>
+        </p:txBody>
+      </p:sp>
+      <p:sp>
+        <p:nvSpPr>
+          <p:cNvPr id="98" name="TextBox 97">
+            <a:extLst>
+              <a:ext uri="{FF2B5EF4-FFF2-40B4-BE49-F238E27FC236}">
+                <a16:creationId xmlns:a16="http://schemas.microsoft.com/office/drawing/2014/main" id="{84B7C844-8CC1-AFAC-A7C3-0BFD76DCE210}"/>
+              </a:ext>
+            </a:extLst>
+          </p:cNvPr>
+          <p:cNvSpPr txBox="1"/>
+          <p:nvPr/>
+        </p:nvSpPr>
+        <p:spPr>
+          <a:xfrm>
+            <a:off x="2060194" y="3487537"/>
+            <a:ext cx="182880" cy="169278"/>
+          </a:xfrm>
+          <a:prstGeom prst="rect">
+            <a:avLst/>
+          </a:prstGeom>
+          <a:solidFill>
+            <a:schemeClr val="bg1"/>
+          </a:solidFill>
+        </p:spPr>
+        <p:txBody>
+          <a:bodyPr wrap="square" lIns="0" tIns="0" rIns="0" bIns="0" rtlCol="0" anchor="ctr">
+            <a:spAutoFit/>
+          </a:bodyPr>
+          <a:lstStyle/>
+          <a:p>
+            <a:pPr algn="ctr" fontAlgn="t" hangingPunct="0"/>
+            <a:r>
+              <a:rPr lang="en-US" altLang="zh-CN" sz="1100" dirty="0">
+                <a:latin typeface="Arial" panose="020B0604020202020204" pitchFamily="34" charset="0"/>
+                <a:cs typeface="Arial" panose="020B0604020202020204" pitchFamily="34" charset="0"/>
+              </a:rPr>
+              <a:t>7</a:t>
+            </a:r>
+            <a:endParaRPr lang="en-US" sz="1100" dirty="0">
+              <a:latin typeface="Arial" panose="020B0604020202020204" pitchFamily="34" charset="0"/>
+              <a:cs typeface="Arial" panose="020B0604020202020204" pitchFamily="34" charset="0"/>
+            </a:endParaRPr>
+          </a:p>
+        </p:txBody>
+      </p:sp>
+      <p:sp>
+        <p:nvSpPr>
+          <p:cNvPr id="99" name="TextBox 98">
+            <a:extLst>
+              <a:ext uri="{FF2B5EF4-FFF2-40B4-BE49-F238E27FC236}">
+                <a16:creationId xmlns:a16="http://schemas.microsoft.com/office/drawing/2014/main" id="{CFBAD05C-E8FB-B052-FF95-59D0504C2725}"/>
+              </a:ext>
+            </a:extLst>
+          </p:cNvPr>
+          <p:cNvSpPr txBox="1"/>
+          <p:nvPr/>
+        </p:nvSpPr>
+        <p:spPr>
+          <a:xfrm>
+            <a:off x="3345289" y="4278107"/>
+            <a:ext cx="209449" cy="169278"/>
+          </a:xfrm>
+          <a:prstGeom prst="rect">
+            <a:avLst/>
+          </a:prstGeom>
+          <a:solidFill>
+            <a:schemeClr val="bg1"/>
+          </a:solidFill>
+        </p:spPr>
+        <p:txBody>
+          <a:bodyPr wrap="square" lIns="0" tIns="0" rIns="0" bIns="0" rtlCol="0" anchor="ctr">
+            <a:spAutoFit/>
+          </a:bodyPr>
+          <a:lstStyle/>
+          <a:p>
+            <a:pPr algn="ctr" fontAlgn="t" hangingPunct="0"/>
+            <a:r>
+              <a:rPr lang="en-US" altLang="zh-CN" sz="1100" dirty="0">
+                <a:latin typeface="Arial" panose="020B0604020202020204" pitchFamily="34" charset="0"/>
+                <a:cs typeface="Arial" panose="020B0604020202020204" pitchFamily="34" charset="0"/>
+              </a:rPr>
+              <a:t>8</a:t>
+            </a:r>
+            <a:endParaRPr lang="en-US" sz="1100" dirty="0">
+              <a:latin typeface="Arial" panose="020B0604020202020204" pitchFamily="34" charset="0"/>
+              <a:cs typeface="Arial" panose="020B0604020202020204" pitchFamily="34" charset="0"/>
+            </a:endParaRPr>
+          </a:p>
+        </p:txBody>
+      </p:sp>
+      <p:sp>
+        <p:nvSpPr>
+          <p:cNvPr id="100" name="TextBox 99">
+            <a:extLst>
+              <a:ext uri="{FF2B5EF4-FFF2-40B4-BE49-F238E27FC236}">
+                <a16:creationId xmlns:a16="http://schemas.microsoft.com/office/drawing/2014/main" id="{FABC3A9D-8FA7-849B-7CEF-4D0A77D0AF47}"/>
+              </a:ext>
+            </a:extLst>
+          </p:cNvPr>
+          <p:cNvSpPr txBox="1"/>
+          <p:nvPr/>
+        </p:nvSpPr>
+        <p:spPr>
+          <a:xfrm>
+            <a:off x="1371000" y="4753953"/>
+            <a:ext cx="182880" cy="169278"/>
+          </a:xfrm>
+          <a:prstGeom prst="rect">
+            <a:avLst/>
+          </a:prstGeom>
+          <a:solidFill>
+            <a:schemeClr val="bg1"/>
+          </a:solidFill>
+        </p:spPr>
+        <p:txBody>
+          <a:bodyPr wrap="square" lIns="0" tIns="0" rIns="0" bIns="0" rtlCol="0" anchor="ctr">
+            <a:spAutoFit/>
+          </a:bodyPr>
+          <a:lstStyle/>
+          <a:p>
+            <a:pPr algn="ctr" fontAlgn="t" hangingPunct="0"/>
+            <a:r>
+              <a:rPr lang="en-US" altLang="zh-CN" sz="1100" dirty="0">
+                <a:latin typeface="Arial" panose="020B0604020202020204" pitchFamily="34" charset="0"/>
+                <a:cs typeface="Arial" panose="020B0604020202020204" pitchFamily="34" charset="0"/>
+              </a:rPr>
+              <a:t>9</a:t>
+            </a:r>
+            <a:endParaRPr lang="en-US" sz="1100" dirty="0">
+              <a:latin typeface="Arial" panose="020B0604020202020204" pitchFamily="34" charset="0"/>
+              <a:cs typeface="Arial" panose="020B0604020202020204" pitchFamily="34" charset="0"/>
+            </a:endParaRPr>
+          </a:p>
+        </p:txBody>
+      </p:sp>
+      <p:sp>
+        <p:nvSpPr>
+          <p:cNvPr id="101" name="TextBox 100">
+            <a:extLst>
+              <a:ext uri="{FF2B5EF4-FFF2-40B4-BE49-F238E27FC236}">
+                <a16:creationId xmlns:a16="http://schemas.microsoft.com/office/drawing/2014/main" id="{1883F699-E6F4-A5EE-4086-629AA9692A2E}"/>
+              </a:ext>
+            </a:extLst>
+          </p:cNvPr>
+          <p:cNvSpPr txBox="1"/>
+          <p:nvPr/>
+        </p:nvSpPr>
+        <p:spPr>
+          <a:xfrm>
+            <a:off x="2060827" y="4799445"/>
+            <a:ext cx="182880" cy="169278"/>
+          </a:xfrm>
+          <a:prstGeom prst="rect">
+            <a:avLst/>
+          </a:prstGeom>
+          <a:solidFill>
+            <a:schemeClr val="bg1"/>
+          </a:solidFill>
+        </p:spPr>
+        <p:txBody>
+          <a:bodyPr wrap="square" lIns="0" tIns="0" rIns="0" bIns="0" rtlCol="0" anchor="ctr">
+            <a:spAutoFit/>
+          </a:bodyPr>
+          <a:lstStyle/>
+          <a:p>
+            <a:pPr algn="ctr" fontAlgn="t" hangingPunct="0"/>
+            <a:r>
+              <a:rPr lang="en-US" altLang="zh-CN" sz="1100" dirty="0">
+                <a:latin typeface="Arial" panose="020B0604020202020204" pitchFamily="34" charset="0"/>
+                <a:cs typeface="Arial" panose="020B0604020202020204" pitchFamily="34" charset="0"/>
+              </a:rPr>
+              <a:t>12</a:t>
+            </a:r>
+            <a:endParaRPr lang="en-US" sz="1100" dirty="0">
+              <a:latin typeface="Arial" panose="020B0604020202020204" pitchFamily="34" charset="0"/>
+              <a:cs typeface="Arial" panose="020B0604020202020204" pitchFamily="34" charset="0"/>
+            </a:endParaRPr>
+          </a:p>
+        </p:txBody>
+      </p:sp>
+      <p:sp>
+        <p:nvSpPr>
+          <p:cNvPr id="102" name="TextBox 101">
+            <a:extLst>
+              <a:ext uri="{FF2B5EF4-FFF2-40B4-BE49-F238E27FC236}">
+                <a16:creationId xmlns:a16="http://schemas.microsoft.com/office/drawing/2014/main" id="{6AB9CD70-5BB2-C0A1-8A60-82DC5CF9EEC2}"/>
+              </a:ext>
+            </a:extLst>
+          </p:cNvPr>
+          <p:cNvSpPr txBox="1"/>
+          <p:nvPr/>
+        </p:nvSpPr>
+        <p:spPr>
+          <a:xfrm>
+            <a:off x="2501483" y="5274315"/>
+            <a:ext cx="182880" cy="169278"/>
+          </a:xfrm>
+          <a:prstGeom prst="rect">
+            <a:avLst/>
+          </a:prstGeom>
+          <a:solidFill>
+            <a:schemeClr val="bg1"/>
+          </a:solidFill>
+        </p:spPr>
+        <p:txBody>
+          <a:bodyPr wrap="square" lIns="0" tIns="0" rIns="0" bIns="0" rtlCol="0" anchor="ctr">
+            <a:spAutoFit/>
+          </a:bodyPr>
+          <a:lstStyle/>
+          <a:p>
+            <a:pPr algn="ctr" fontAlgn="t" hangingPunct="0"/>
+            <a:r>
+              <a:rPr lang="en-US" altLang="zh-CN" sz="1100" dirty="0">
+                <a:latin typeface="Arial" panose="020B0604020202020204" pitchFamily="34" charset="0"/>
+                <a:cs typeface="Arial" panose="020B0604020202020204" pitchFamily="34" charset="0"/>
+              </a:rPr>
+              <a:t>13</a:t>
+            </a:r>
+            <a:endParaRPr lang="en-US" sz="1100" dirty="0">
+              <a:latin typeface="Arial" panose="020B0604020202020204" pitchFamily="34" charset="0"/>
+              <a:cs typeface="Arial" panose="020B0604020202020204" pitchFamily="34" charset="0"/>
+            </a:endParaRPr>
+          </a:p>
+        </p:txBody>
+      </p:sp>
+      <p:sp>
+        <p:nvSpPr>
+          <p:cNvPr id="103" name="TextBox 102">
+            <a:extLst>
+              <a:ext uri="{FF2B5EF4-FFF2-40B4-BE49-F238E27FC236}">
+                <a16:creationId xmlns:a16="http://schemas.microsoft.com/office/drawing/2014/main" id="{F586B8D3-04E8-4BC8-4876-A19B37EDDBFA}"/>
+              </a:ext>
+            </a:extLst>
+          </p:cNvPr>
+          <p:cNvSpPr txBox="1"/>
+          <p:nvPr/>
+        </p:nvSpPr>
+        <p:spPr>
+          <a:xfrm>
+            <a:off x="4771088" y="4919362"/>
+            <a:ext cx="182880" cy="169278"/>
+          </a:xfrm>
+          <a:prstGeom prst="rect">
+            <a:avLst/>
+          </a:prstGeom>
+          <a:solidFill>
+            <a:schemeClr val="bg1"/>
+          </a:solidFill>
+        </p:spPr>
+        <p:txBody>
+          <a:bodyPr wrap="square" lIns="0" tIns="0" rIns="0" bIns="0" rtlCol="0" anchor="ctr">
+            <a:spAutoFit/>
+          </a:bodyPr>
+          <a:lstStyle/>
+          <a:p>
+            <a:pPr algn="ctr" fontAlgn="t" hangingPunct="0"/>
+            <a:r>
+              <a:rPr lang="en-US" altLang="zh-CN" sz="1100" dirty="0">
+                <a:latin typeface="Arial" panose="020B0604020202020204" pitchFamily="34" charset="0"/>
+                <a:cs typeface="Arial" panose="020B0604020202020204" pitchFamily="34" charset="0"/>
+              </a:rPr>
+              <a:t>14</a:t>
+            </a:r>
+            <a:endParaRPr lang="en-US" sz="1100" dirty="0">
+              <a:latin typeface="Arial" panose="020B0604020202020204" pitchFamily="34" charset="0"/>
+              <a:cs typeface="Arial" panose="020B0604020202020204" pitchFamily="34" charset="0"/>
+            </a:endParaRPr>
+          </a:p>
+        </p:txBody>
+      </p:sp>
+      <p:sp>
+        <p:nvSpPr>
+          <p:cNvPr id="104" name="TextBox 103">
+            <a:extLst>
+              <a:ext uri="{FF2B5EF4-FFF2-40B4-BE49-F238E27FC236}">
+                <a16:creationId xmlns:a16="http://schemas.microsoft.com/office/drawing/2014/main" id="{B92E8BD6-129A-F5D5-5294-309D47CA733C}"/>
+              </a:ext>
+            </a:extLst>
+          </p:cNvPr>
+          <p:cNvSpPr txBox="1"/>
+          <p:nvPr/>
+        </p:nvSpPr>
+        <p:spPr>
+          <a:xfrm>
+            <a:off x="5154804" y="4263371"/>
+            <a:ext cx="182880" cy="169278"/>
+          </a:xfrm>
+          <a:prstGeom prst="rect">
+            <a:avLst/>
+          </a:prstGeom>
+          <a:solidFill>
+            <a:schemeClr val="bg1"/>
+          </a:solidFill>
+        </p:spPr>
+        <p:txBody>
+          <a:bodyPr wrap="square" lIns="0" tIns="0" rIns="0" bIns="0" rtlCol="0" anchor="ctr">
+            <a:spAutoFit/>
+          </a:bodyPr>
+          <a:lstStyle/>
+          <a:p>
+            <a:pPr algn="ctr" fontAlgn="t" hangingPunct="0"/>
+            <a:r>
+              <a:rPr lang="en-US" altLang="zh-CN" sz="1100" dirty="0">
+                <a:latin typeface="Arial" panose="020B0604020202020204" pitchFamily="34" charset="0"/>
+                <a:cs typeface="Arial" panose="020B0604020202020204" pitchFamily="34" charset="0"/>
+              </a:rPr>
+              <a:t>15</a:t>
+            </a:r>
+            <a:endParaRPr lang="en-US" sz="1100" dirty="0">
+              <a:latin typeface="Arial" panose="020B0604020202020204" pitchFamily="34" charset="0"/>
+              <a:cs typeface="Arial" panose="020B0604020202020204" pitchFamily="34" charset="0"/>
+            </a:endParaRPr>
+          </a:p>
+        </p:txBody>
+      </p:sp>
+      <p:sp>
+        <p:nvSpPr>
+          <p:cNvPr id="105" name="TextBox 104">
+            <a:extLst>
+              <a:ext uri="{FF2B5EF4-FFF2-40B4-BE49-F238E27FC236}">
+                <a16:creationId xmlns:a16="http://schemas.microsoft.com/office/drawing/2014/main" id="{A9DA980C-DB1C-FC71-CDC8-48210AB6F178}"/>
+              </a:ext>
+            </a:extLst>
+          </p:cNvPr>
+          <p:cNvSpPr txBox="1"/>
+          <p:nvPr/>
+        </p:nvSpPr>
+        <p:spPr>
+          <a:xfrm>
+            <a:off x="4216321" y="5345165"/>
+            <a:ext cx="182880" cy="169278"/>
+          </a:xfrm>
+          <a:prstGeom prst="rect">
+            <a:avLst/>
+          </a:prstGeom>
+          <a:solidFill>
+            <a:schemeClr val="bg1"/>
+          </a:solidFill>
+        </p:spPr>
+        <p:txBody>
+          <a:bodyPr wrap="square" lIns="0" tIns="0" rIns="0" bIns="0" rtlCol="0" anchor="ctr">
+            <a:spAutoFit/>
+          </a:bodyPr>
+          <a:lstStyle/>
+          <a:p>
+            <a:pPr algn="ctr" fontAlgn="t" hangingPunct="0"/>
+            <a:r>
+              <a:rPr lang="en-US" altLang="zh-CN" sz="1100" dirty="0">
+                <a:latin typeface="Arial" panose="020B0604020202020204" pitchFamily="34" charset="0"/>
+                <a:cs typeface="Arial" panose="020B0604020202020204" pitchFamily="34" charset="0"/>
+              </a:rPr>
+              <a:t>16</a:t>
+            </a:r>
+            <a:endParaRPr lang="en-US" sz="1100" dirty="0">
+              <a:latin typeface="Arial" panose="020B0604020202020204" pitchFamily="34" charset="0"/>
+              <a:cs typeface="Arial" panose="020B0604020202020204" pitchFamily="34" charset="0"/>
+            </a:endParaRPr>
+          </a:p>
+        </p:txBody>
+      </p:sp>
+      <p:sp>
+        <p:nvSpPr>
+          <p:cNvPr id="106" name="TextBox 105">
+            <a:extLst>
+              <a:ext uri="{FF2B5EF4-FFF2-40B4-BE49-F238E27FC236}">
+                <a16:creationId xmlns:a16="http://schemas.microsoft.com/office/drawing/2014/main" id="{C375D3BF-D88A-F101-A256-9319371D9F3F}"/>
+              </a:ext>
+            </a:extLst>
+          </p:cNvPr>
+          <p:cNvSpPr txBox="1"/>
+          <p:nvPr/>
+        </p:nvSpPr>
+        <p:spPr>
+          <a:xfrm>
+            <a:off x="3482890" y="5595854"/>
+            <a:ext cx="182880" cy="169278"/>
+          </a:xfrm>
+          <a:prstGeom prst="rect">
+            <a:avLst/>
+          </a:prstGeom>
+          <a:solidFill>
+            <a:schemeClr val="bg1"/>
+          </a:solidFill>
+        </p:spPr>
+        <p:txBody>
+          <a:bodyPr wrap="square" lIns="0" tIns="0" rIns="0" bIns="0" rtlCol="0" anchor="ctr">
+            <a:spAutoFit/>
+          </a:bodyPr>
+          <a:lstStyle/>
+          <a:p>
+            <a:pPr algn="ctr" fontAlgn="t" hangingPunct="0"/>
+            <a:r>
+              <a:rPr lang="en-US" altLang="zh-CN" sz="1100" dirty="0">
+                <a:latin typeface="Arial" panose="020B0604020202020204" pitchFamily="34" charset="0"/>
+                <a:cs typeface="Arial" panose="020B0604020202020204" pitchFamily="34" charset="0"/>
+              </a:rPr>
+              <a:t>17</a:t>
+            </a:r>
+            <a:endParaRPr lang="en-US" sz="1100" dirty="0">
+              <a:latin typeface="Arial" panose="020B0604020202020204" pitchFamily="34" charset="0"/>
+              <a:cs typeface="Arial" panose="020B0604020202020204" pitchFamily="34" charset="0"/>
+            </a:endParaRPr>
+          </a:p>
+        </p:txBody>
+      </p:sp>
+      <p:sp>
+        <p:nvSpPr>
+          <p:cNvPr id="107" name="TextBox 106">
+            <a:extLst>
+              <a:ext uri="{FF2B5EF4-FFF2-40B4-BE49-F238E27FC236}">
+                <a16:creationId xmlns:a16="http://schemas.microsoft.com/office/drawing/2014/main" id="{2B4ABEA8-720E-6C64-0C1D-6EAD9E9F614A}"/>
+              </a:ext>
+            </a:extLst>
+          </p:cNvPr>
+          <p:cNvSpPr txBox="1"/>
+          <p:nvPr/>
+        </p:nvSpPr>
+        <p:spPr>
+          <a:xfrm>
+            <a:off x="3720812" y="4709654"/>
+            <a:ext cx="182880" cy="169278"/>
+          </a:xfrm>
+          <a:prstGeom prst="rect">
+            <a:avLst/>
+          </a:prstGeom>
+          <a:solidFill>
+            <a:schemeClr val="bg1"/>
+          </a:solidFill>
+        </p:spPr>
+        <p:txBody>
+          <a:bodyPr wrap="square" lIns="0" tIns="0" rIns="0" bIns="0" rtlCol="0" anchor="ctr">
+            <a:spAutoFit/>
+          </a:bodyPr>
+          <a:lstStyle/>
+          <a:p>
+            <a:pPr algn="ctr" fontAlgn="t" hangingPunct="0"/>
+            <a:r>
+              <a:rPr lang="en-US" altLang="zh-CN" sz="1100" dirty="0">
+                <a:latin typeface="Arial" panose="020B0604020202020204" pitchFamily="34" charset="0"/>
+                <a:cs typeface="Arial" panose="020B0604020202020204" pitchFamily="34" charset="0"/>
+              </a:rPr>
+              <a:t>4</a:t>
+            </a:r>
+            <a:endParaRPr lang="en-US" sz="1100" dirty="0">
+              <a:latin typeface="Arial" panose="020B0604020202020204" pitchFamily="34" charset="0"/>
+              <a:cs typeface="Arial" panose="020B0604020202020204" pitchFamily="34" charset="0"/>
+            </a:endParaRPr>
+          </a:p>
+        </p:txBody>
+      </p:sp>
+      <p:pic>
+        <p:nvPicPr>
+          <p:cNvPr id="110" name="Picture 109">
+            <a:extLst>
+              <a:ext uri="{FF2B5EF4-FFF2-40B4-BE49-F238E27FC236}">
+                <a16:creationId xmlns:a16="http://schemas.microsoft.com/office/drawing/2014/main" id="{B9FDB151-F86E-30AC-EEE2-8DD2EACB18F1}"/>
+              </a:ext>
+            </a:extLst>
+          </p:cNvPr>
+          <p:cNvPicPr>
+            <a:picLocks noChangeAspect="1"/>
+          </p:cNvPicPr>
+          <p:nvPr/>
+        </p:nvPicPr>
+        <p:blipFill>
+          <a:blip r:embed="rId3"/>
+          <a:stretch>
+            <a:fillRect/>
+          </a:stretch>
+        </p:blipFill>
+        <p:spPr>
+          <a:xfrm>
+            <a:off x="6408462" y="14372"/>
+            <a:ext cx="2722955" cy="1790343"/>
+          </a:xfrm>
+          <a:prstGeom prst="rect">
+            <a:avLst/>
+          </a:prstGeom>
+        </p:spPr>
+      </p:pic>
+      <p:sp>
+        <p:nvSpPr>
+          <p:cNvPr id="112" name="TextBox 111">
+            <a:extLst>
+              <a:ext uri="{FF2B5EF4-FFF2-40B4-BE49-F238E27FC236}">
+                <a16:creationId xmlns:a16="http://schemas.microsoft.com/office/drawing/2014/main" id="{2CAAC5B9-A9A9-E95F-61CE-013279612A78}"/>
+              </a:ext>
+            </a:extLst>
+          </p:cNvPr>
+          <p:cNvSpPr txBox="1"/>
+          <p:nvPr/>
+        </p:nvSpPr>
+        <p:spPr>
+          <a:xfrm>
+            <a:off x="4661424" y="7349"/>
+            <a:ext cx="2280881" cy="584775"/>
+          </a:xfrm>
+          <a:prstGeom prst="rect">
+            <a:avLst/>
+          </a:prstGeom>
+          <a:noFill/>
+        </p:spPr>
+        <p:txBody>
+          <a:bodyPr wrap="none" rtlCol="0">
+            <a:spAutoFit/>
+          </a:bodyPr>
+          <a:lstStyle/>
+          <a:p>
+            <a:r>
+              <a:rPr lang="en-GB" altLang="zh-CN" sz="1600" dirty="0">
+                <a:solidFill>
+                  <a:schemeClr val="accent2"/>
+                </a:solidFill>
+                <a:latin typeface="Arial" panose="020B0604020202020204" pitchFamily="34" charset="0"/>
+                <a:cs typeface="Arial" panose="020B0604020202020204" pitchFamily="34" charset="0"/>
+              </a:rPr>
+              <a:t>Resulting MST</a:t>
+            </a:r>
+          </a:p>
+          <a:p>
+            <a:r>
+              <a:rPr lang="en-GB" altLang="zh-CN" sz="1600" dirty="0">
+                <a:solidFill>
+                  <a:schemeClr val="accent2"/>
+                </a:solidFill>
+                <a:latin typeface="Arial" panose="020B0604020202020204" pitchFamily="34" charset="0"/>
+                <a:cs typeface="Arial" panose="020B0604020202020204" pitchFamily="34" charset="0"/>
+              </a:rPr>
+              <a:t>(s</a:t>
+            </a:r>
+            <a:r>
+              <a:rPr lang="en-GB" sz="1600" dirty="0">
+                <a:solidFill>
+                  <a:schemeClr val="accent2"/>
+                </a:solidFill>
+                <a:latin typeface="Arial" panose="020B0604020202020204" pitchFamily="34" charset="0"/>
+                <a:cs typeface="Arial" panose="020B0604020202020204" pitchFamily="34" charset="0"/>
+              </a:rPr>
+              <a:t>ame result as Prim’s)</a:t>
+            </a:r>
+            <a:endParaRPr lang="en-US" sz="1600" dirty="0">
+              <a:solidFill>
+                <a:schemeClr val="accent2"/>
+              </a:solidFill>
+              <a:latin typeface="Arial" panose="020B0604020202020204" pitchFamily="34" charset="0"/>
+              <a:cs typeface="Arial" panose="020B0604020202020204" pitchFamily="34" charset="0"/>
+            </a:endParaRPr>
           </a:p>
         </p:txBody>
       </p:sp>
@@ -20772,41 +21702,6 @@
                                   </p:childTnLst>
                                 </p:cTn>
                               </p:par>
-                              <p:par>
-                                <p:cTn id="88" presetID="9" presetClass="entr" presetSubtype="0" fill="hold" grpId="0" nodeType="withEffect">
-                                  <p:stCondLst>
-                                    <p:cond delay="0"/>
-                                  </p:stCondLst>
-                                  <p:childTnLst>
-                                    <p:set>
-                                      <p:cBhvr>
-                                        <p:cTn id="89" dur="1" fill="hold">
-                                          <p:stCondLst>
-                                            <p:cond delay="0"/>
-                                          </p:stCondLst>
-                                        </p:cTn>
-                                        <p:tgtEl>
-                                          <p:spTgt spid="65"/>
-                                        </p:tgtEl>
-                                        <p:attrNameLst>
-                                          <p:attrName>style.visibility</p:attrName>
-                                        </p:attrNameLst>
-                                      </p:cBhvr>
-                                      <p:to>
-                                        <p:strVal val="visible"/>
-                                      </p:to>
-                                    </p:set>
-                                    <p:animEffect transition="in" filter="dissolve">
-                                      <p:cBhvr>
-                                        <p:cTn id="90" dur="500"/>
-                                        <p:tgtEl>
-                                          <p:spTgt spid="65"/>
-                                        </p:tgtEl>
-                                      </p:cBhvr>
-                                    </p:animEffect>
-                                  </p:childTnLst>
-                                </p:cTn>
-                              </p:par>
                             </p:childTnLst>
                           </p:cTn>
                         </p:par>
@@ -20814,26 +21709,26 @@
                     </p:cTn>
                   </p:par>
                   <p:par>
-                    <p:cTn id="91" fill="hold">
+                    <p:cTn id="88" fill="hold">
                       <p:stCondLst>
                         <p:cond delay="indefinite"/>
                       </p:stCondLst>
                       <p:childTnLst>
                         <p:par>
-                          <p:cTn id="92" fill="hold">
+                          <p:cTn id="89" fill="hold">
                             <p:stCondLst>
                               <p:cond delay="0"/>
                             </p:stCondLst>
                             <p:childTnLst>
                               <p:par>
-                                <p:cTn id="93" presetID="9" presetClass="entr" presetSubtype="0" fill="hold" nodeType="clickEffect">
+                                <p:cTn id="90" presetID="9" presetClass="entr" presetSubtype="0" fill="hold" nodeType="clickEffect">
                                   <p:stCondLst>
                                     <p:cond delay="0"/>
                                   </p:stCondLst>
                                   <p:childTnLst>
                                     <p:set>
                                       <p:cBhvr>
-                                        <p:cTn id="94" dur="1" fill="hold">
+                                        <p:cTn id="91" dur="1" fill="hold">
                                           <p:stCondLst>
                                             <p:cond delay="0"/>
                                           </p:stCondLst>
@@ -20851,7 +21746,7 @@
                                     </p:set>
                                     <p:animEffect transition="in" filter="dissolve">
                                       <p:cBhvr>
-                                        <p:cTn id="95" dur="500"/>
+                                        <p:cTn id="92" dur="500"/>
                                         <p:tgtEl>
                                           <p:spTgt spid="49"/>
                                         </p:tgtEl>
@@ -20867,26 +21762,26 @@
                     </p:cTn>
                   </p:par>
                   <p:par>
-                    <p:cTn id="96" fill="hold">
+                    <p:cTn id="93" fill="hold">
                       <p:stCondLst>
                         <p:cond delay="indefinite"/>
                       </p:stCondLst>
                       <p:childTnLst>
                         <p:par>
-                          <p:cTn id="97" fill="hold">
+                          <p:cTn id="94" fill="hold">
                             <p:stCondLst>
                               <p:cond delay="0"/>
                             </p:stCondLst>
                             <p:childTnLst>
                               <p:par>
-                                <p:cTn id="98" presetID="7" presetClass="emph" presetSubtype="2" fill="hold" nodeType="clickEffect">
+                                <p:cTn id="95" presetID="7" presetClass="emph" presetSubtype="2" fill="hold" nodeType="clickEffect">
                                   <p:stCondLst>
                                     <p:cond delay="0"/>
                                   </p:stCondLst>
                                   <p:childTnLst>
                                     <p:animClr clrSpc="rgb" dir="cw">
                                       <p:cBhvr>
-                                        <p:cTn id="99" dur="2000" fill="hold"/>
+                                        <p:cTn id="96" dur="2000" fill="hold"/>
                                         <p:tgtEl>
                                           <p:spTgt spid="13"/>
                                         </p:tgtEl>
@@ -20900,7 +21795,7 @@
                                     </p:animClr>
                                     <p:set>
                                       <p:cBhvr>
-                                        <p:cTn id="100" dur="2000" fill="hold"/>
+                                        <p:cTn id="97" dur="2000" fill="hold"/>
                                         <p:tgtEl>
                                           <p:spTgt spid="13"/>
                                         </p:tgtEl>
@@ -20922,26 +21817,26 @@
                     </p:cTn>
                   </p:par>
                   <p:par>
-                    <p:cTn id="101" fill="hold">
+                    <p:cTn id="98" fill="hold">
                       <p:stCondLst>
                         <p:cond delay="indefinite"/>
                       </p:stCondLst>
                       <p:childTnLst>
                         <p:par>
-                          <p:cTn id="102" fill="hold">
+                          <p:cTn id="99" fill="hold">
                             <p:stCondLst>
                               <p:cond delay="0"/>
                             </p:stCondLst>
                             <p:childTnLst>
                               <p:par>
-                                <p:cTn id="103" presetID="9" presetClass="entr" presetSubtype="0" fill="hold" grpId="0" nodeType="clickEffect">
+                                <p:cTn id="100" presetID="9" presetClass="entr" presetSubtype="0" fill="hold" grpId="0" nodeType="clickEffect">
                                   <p:stCondLst>
                                     <p:cond delay="0"/>
                                   </p:stCondLst>
                                   <p:childTnLst>
                                     <p:set>
                                       <p:cBhvr>
-                                        <p:cTn id="104" dur="1" fill="hold">
+                                        <p:cTn id="101" dur="1" fill="hold">
                                           <p:stCondLst>
                                             <p:cond delay="0"/>
                                           </p:stCondLst>
@@ -20959,7 +21854,7 @@
                                     </p:set>
                                     <p:animEffect transition="in" filter="dissolve">
                                       <p:cBhvr>
-                                        <p:cTn id="105" dur="500"/>
+                                        <p:cTn id="102" dur="500"/>
                                         <p:tgtEl>
                                           <p:spTgt spid="66"/>
                                         </p:tgtEl>
@@ -20975,26 +21870,26 @@
                     </p:cTn>
                   </p:par>
                   <p:par>
-                    <p:cTn id="106" fill="hold">
+                    <p:cTn id="103" fill="hold">
                       <p:stCondLst>
                         <p:cond delay="indefinite"/>
                       </p:stCondLst>
                       <p:childTnLst>
                         <p:par>
-                          <p:cTn id="107" fill="hold">
+                          <p:cTn id="104" fill="hold">
                             <p:stCondLst>
                               <p:cond delay="0"/>
                             </p:stCondLst>
                             <p:childTnLst>
                               <p:par>
-                                <p:cTn id="108" presetID="9" presetClass="entr" presetSubtype="0" fill="hold" nodeType="clickEffect">
+                                <p:cTn id="105" presetID="9" presetClass="entr" presetSubtype="0" fill="hold" nodeType="clickEffect">
                                   <p:stCondLst>
                                     <p:cond delay="0"/>
                                   </p:stCondLst>
                                   <p:childTnLst>
                                     <p:set>
                                       <p:cBhvr>
-                                        <p:cTn id="109" dur="1" fill="hold">
+                                        <p:cTn id="106" dur="1" fill="hold">
                                           <p:stCondLst>
                                             <p:cond delay="0"/>
                                           </p:stCondLst>
@@ -21012,7 +21907,7 @@
                                     </p:set>
                                     <p:animEffect transition="in" filter="dissolve">
                                       <p:cBhvr>
-                                        <p:cTn id="110" dur="500"/>
+                                        <p:cTn id="107" dur="500"/>
                                         <p:tgtEl>
                                           <p:spTgt spid="50"/>
                                         </p:tgtEl>
@@ -21028,26 +21923,26 @@
                     </p:cTn>
                   </p:par>
                   <p:par>
-                    <p:cTn id="111" fill="hold">
+                    <p:cTn id="108" fill="hold">
                       <p:stCondLst>
                         <p:cond delay="indefinite"/>
                       </p:stCondLst>
                       <p:childTnLst>
                         <p:par>
-                          <p:cTn id="112" fill="hold">
+                          <p:cTn id="109" fill="hold">
                             <p:stCondLst>
                               <p:cond delay="0"/>
                             </p:stCondLst>
                             <p:childTnLst>
                               <p:par>
-                                <p:cTn id="113" presetID="7" presetClass="emph" presetSubtype="2" fill="hold" nodeType="clickEffect">
+                                <p:cTn id="110" presetID="7" presetClass="emph" presetSubtype="2" fill="hold" nodeType="clickEffect">
                                   <p:stCondLst>
                                     <p:cond delay="0"/>
                                   </p:stCondLst>
                                   <p:childTnLst>
                                     <p:animClr clrSpc="rgb" dir="cw">
                                       <p:cBhvr>
-                                        <p:cTn id="114" dur="2000" fill="hold"/>
+                                        <p:cTn id="111" dur="2000" fill="hold"/>
                                         <p:tgtEl>
                                           <p:spTgt spid="28"/>
                                         </p:tgtEl>
@@ -21061,7 +21956,7 @@
                                     </p:animClr>
                                     <p:set>
                                       <p:cBhvr>
-                                        <p:cTn id="115" dur="2000" fill="hold"/>
+                                        <p:cTn id="112" dur="2000" fill="hold"/>
                                         <p:tgtEl>
                                           <p:spTgt spid="28"/>
                                         </p:tgtEl>
@@ -21083,26 +21978,26 @@
                     </p:cTn>
                   </p:par>
                   <p:par>
-                    <p:cTn id="116" fill="hold">
+                    <p:cTn id="113" fill="hold">
                       <p:stCondLst>
                         <p:cond delay="indefinite"/>
                       </p:stCondLst>
                       <p:childTnLst>
                         <p:par>
-                          <p:cTn id="117" fill="hold">
+                          <p:cTn id="114" fill="hold">
                             <p:stCondLst>
                               <p:cond delay="0"/>
                             </p:stCondLst>
                             <p:childTnLst>
                               <p:par>
-                                <p:cTn id="118" presetID="9" presetClass="entr" presetSubtype="0" fill="hold" nodeType="clickEffect">
+                                <p:cTn id="115" presetID="9" presetClass="entr" presetSubtype="0" fill="hold" nodeType="clickEffect">
                                   <p:stCondLst>
                                     <p:cond delay="0"/>
                                   </p:stCondLst>
                                   <p:childTnLst>
                                     <p:set>
                                       <p:cBhvr>
-                                        <p:cTn id="119" dur="1" fill="hold">
+                                        <p:cTn id="116" dur="1" fill="hold">
                                           <p:stCondLst>
                                             <p:cond delay="0"/>
                                           </p:stCondLst>
@@ -21120,7 +22015,7 @@
                                     </p:set>
                                     <p:animEffect transition="in" filter="dissolve">
                                       <p:cBhvr>
-                                        <p:cTn id="120" dur="500"/>
+                                        <p:cTn id="117" dur="500"/>
                                         <p:tgtEl>
                                           <p:spTgt spid="51"/>
                                         </p:tgtEl>
@@ -21136,26 +22031,26 @@
                     </p:cTn>
                   </p:par>
                   <p:par>
-                    <p:cTn id="121" fill="hold">
+                    <p:cTn id="118" fill="hold">
                       <p:stCondLst>
                         <p:cond delay="indefinite"/>
                       </p:stCondLst>
                       <p:childTnLst>
                         <p:par>
-                          <p:cTn id="122" fill="hold">
+                          <p:cTn id="119" fill="hold">
                             <p:stCondLst>
                               <p:cond delay="0"/>
                             </p:stCondLst>
                             <p:childTnLst>
                               <p:par>
-                                <p:cTn id="123" presetID="7" presetClass="emph" presetSubtype="2" fill="hold" nodeType="clickEffect">
+                                <p:cTn id="120" presetID="7" presetClass="emph" presetSubtype="2" fill="hold" nodeType="clickEffect">
                                   <p:stCondLst>
                                     <p:cond delay="0"/>
                                   </p:stCondLst>
                                   <p:childTnLst>
                                     <p:animClr clrSpc="rgb" dir="cw">
                                       <p:cBhvr>
-                                        <p:cTn id="124" dur="2000" fill="hold"/>
+                                        <p:cTn id="121" dur="2000" fill="hold"/>
                                         <p:tgtEl>
                                           <p:spTgt spid="12"/>
                                         </p:tgtEl>
@@ -21169,7 +22064,7 @@
                                     </p:animClr>
                                     <p:set>
                                       <p:cBhvr>
-                                        <p:cTn id="125" dur="2000" fill="hold"/>
+                                        <p:cTn id="122" dur="2000" fill="hold"/>
                                         <p:tgtEl>
                                           <p:spTgt spid="12"/>
                                         </p:tgtEl>
@@ -21191,26 +22086,26 @@
                     </p:cTn>
                   </p:par>
                   <p:par>
-                    <p:cTn id="126" fill="hold">
+                    <p:cTn id="123" fill="hold">
                       <p:stCondLst>
                         <p:cond delay="indefinite"/>
                       </p:stCondLst>
                       <p:childTnLst>
                         <p:par>
-                          <p:cTn id="127" fill="hold">
+                          <p:cTn id="124" fill="hold">
                             <p:stCondLst>
                               <p:cond delay="0"/>
                             </p:stCondLst>
                             <p:childTnLst>
                               <p:par>
-                                <p:cTn id="128" presetID="9" presetClass="entr" presetSubtype="0" fill="hold" nodeType="clickEffect">
+                                <p:cTn id="125" presetID="9" presetClass="entr" presetSubtype="0" fill="hold" nodeType="clickEffect">
                                   <p:stCondLst>
                                     <p:cond delay="0"/>
                                   </p:stCondLst>
                                   <p:childTnLst>
                                     <p:set>
                                       <p:cBhvr>
-                                        <p:cTn id="129" dur="1" fill="hold">
+                                        <p:cTn id="126" dur="1" fill="hold">
                                           <p:stCondLst>
                                             <p:cond delay="0"/>
                                           </p:stCondLst>
@@ -21228,7 +22123,7 @@
                                     </p:set>
                                     <p:animEffect transition="in" filter="dissolve">
                                       <p:cBhvr>
-                                        <p:cTn id="130" dur="500"/>
+                                        <p:cTn id="127" dur="500"/>
                                         <p:tgtEl>
                                           <p:spTgt spid="52"/>
                                         </p:tgtEl>
@@ -21244,26 +22139,26 @@
                     </p:cTn>
                   </p:par>
                   <p:par>
-                    <p:cTn id="131" fill="hold">
+                    <p:cTn id="128" fill="hold">
                       <p:stCondLst>
                         <p:cond delay="indefinite"/>
                       </p:stCondLst>
                       <p:childTnLst>
                         <p:par>
-                          <p:cTn id="132" fill="hold">
+                          <p:cTn id="129" fill="hold">
                             <p:stCondLst>
                               <p:cond delay="0"/>
                             </p:stCondLst>
                             <p:childTnLst>
                               <p:par>
-                                <p:cTn id="133" presetID="7" presetClass="emph" presetSubtype="2" fill="hold" nodeType="clickEffect">
+                                <p:cTn id="130" presetID="7" presetClass="emph" presetSubtype="2" fill="hold" nodeType="clickEffect">
                                   <p:stCondLst>
                                     <p:cond delay="0"/>
                                   </p:stCondLst>
                                   <p:childTnLst>
                                     <p:animClr clrSpc="rgb" dir="cw">
                                       <p:cBhvr>
-                                        <p:cTn id="134" dur="2000" fill="hold"/>
+                                        <p:cTn id="131" dur="2000" fill="hold"/>
                                         <p:tgtEl>
                                           <p:spTgt spid="9"/>
                                         </p:tgtEl>
@@ -21277,7 +22172,7 @@
                                     </p:animClr>
                                     <p:set>
                                       <p:cBhvr>
-                                        <p:cTn id="135" dur="2000" fill="hold"/>
+                                        <p:cTn id="132" dur="2000" fill="hold"/>
                                         <p:tgtEl>
                                           <p:spTgt spid="9"/>
                                         </p:tgtEl>
@@ -21299,26 +22194,26 @@
                     </p:cTn>
                   </p:par>
                   <p:par>
-                    <p:cTn id="136" fill="hold">
+                    <p:cTn id="133" fill="hold">
                       <p:stCondLst>
                         <p:cond delay="indefinite"/>
                       </p:stCondLst>
                       <p:childTnLst>
                         <p:par>
-                          <p:cTn id="137" fill="hold">
+                          <p:cTn id="134" fill="hold">
                             <p:stCondLst>
                               <p:cond delay="0"/>
                             </p:stCondLst>
                             <p:childTnLst>
                               <p:par>
-                                <p:cTn id="138" presetID="9" presetClass="entr" presetSubtype="0" fill="hold" nodeType="clickEffect">
+                                <p:cTn id="135" presetID="9" presetClass="entr" presetSubtype="0" fill="hold" nodeType="clickEffect">
                                   <p:stCondLst>
                                     <p:cond delay="0"/>
                                   </p:stCondLst>
                                   <p:childTnLst>
                                     <p:set>
                                       <p:cBhvr>
-                                        <p:cTn id="139" dur="1" fill="hold">
+                                        <p:cTn id="136" dur="1" fill="hold">
                                           <p:stCondLst>
                                             <p:cond delay="0"/>
                                           </p:stCondLst>
@@ -21336,7 +22231,7 @@
                                     </p:set>
                                     <p:animEffect transition="in" filter="dissolve">
                                       <p:cBhvr>
-                                        <p:cTn id="140" dur="500"/>
+                                        <p:cTn id="137" dur="500"/>
                                         <p:tgtEl>
                                           <p:spTgt spid="53"/>
                                         </p:tgtEl>
@@ -21352,26 +22247,26 @@
                     </p:cTn>
                   </p:par>
                   <p:par>
-                    <p:cTn id="141" fill="hold">
+                    <p:cTn id="138" fill="hold">
                       <p:stCondLst>
                         <p:cond delay="indefinite"/>
                       </p:stCondLst>
                       <p:childTnLst>
                         <p:par>
-                          <p:cTn id="142" fill="hold">
+                          <p:cTn id="139" fill="hold">
                             <p:stCondLst>
                               <p:cond delay="0"/>
                             </p:stCondLst>
                             <p:childTnLst>
                               <p:par>
-                                <p:cTn id="143" presetID="7" presetClass="emph" presetSubtype="2" fill="hold" nodeType="clickEffect">
+                                <p:cTn id="140" presetID="7" presetClass="emph" presetSubtype="2" fill="hold" nodeType="clickEffect">
                                   <p:stCondLst>
                                     <p:cond delay="0"/>
                                   </p:stCondLst>
                                   <p:childTnLst>
                                     <p:animClr clrSpc="rgb" dir="cw">
                                       <p:cBhvr>
-                                        <p:cTn id="144" dur="2000" fill="hold"/>
+                                        <p:cTn id="141" dur="2000" fill="hold"/>
                                         <p:tgtEl>
                                           <p:spTgt spid="18"/>
                                         </p:tgtEl>
@@ -21385,7 +22280,7 @@
                                     </p:animClr>
                                     <p:set>
                                       <p:cBhvr>
-                                        <p:cTn id="145" dur="2000" fill="hold"/>
+                                        <p:cTn id="142" dur="2000" fill="hold"/>
                                         <p:tgtEl>
                                           <p:spTgt spid="18"/>
                                         </p:tgtEl>
@@ -21407,26 +22302,26 @@
                     </p:cTn>
                   </p:par>
                   <p:par>
-                    <p:cTn id="146" fill="hold">
+                    <p:cTn id="143" fill="hold">
                       <p:stCondLst>
                         <p:cond delay="indefinite"/>
                       </p:stCondLst>
                       <p:childTnLst>
                         <p:par>
-                          <p:cTn id="147" fill="hold">
+                          <p:cTn id="144" fill="hold">
                             <p:stCondLst>
                               <p:cond delay="0"/>
                             </p:stCondLst>
                             <p:childTnLst>
                               <p:par>
-                                <p:cTn id="148" presetID="9" presetClass="entr" presetSubtype="0" fill="hold" nodeType="clickEffect">
+                                <p:cTn id="145" presetID="9" presetClass="entr" presetSubtype="0" fill="hold" nodeType="clickEffect">
                                   <p:stCondLst>
                                     <p:cond delay="0"/>
                                   </p:stCondLst>
                                   <p:childTnLst>
                                     <p:set>
                                       <p:cBhvr>
-                                        <p:cTn id="149" dur="1" fill="hold">
+                                        <p:cTn id="146" dur="1" fill="hold">
                                           <p:stCondLst>
                                             <p:cond delay="0"/>
                                           </p:stCondLst>
@@ -21444,7 +22339,7 @@
                                     </p:set>
                                     <p:animEffect transition="in" filter="dissolve">
                                       <p:cBhvr>
-                                        <p:cTn id="150" dur="500"/>
+                                        <p:cTn id="147" dur="500"/>
                                         <p:tgtEl>
                                           <p:spTgt spid="54"/>
                                         </p:tgtEl>
@@ -21460,26 +22355,26 @@
                     </p:cTn>
                   </p:par>
                   <p:par>
-                    <p:cTn id="151" fill="hold">
+                    <p:cTn id="148" fill="hold">
                       <p:stCondLst>
                         <p:cond delay="indefinite"/>
                       </p:stCondLst>
                       <p:childTnLst>
                         <p:par>
-                          <p:cTn id="152" fill="hold">
+                          <p:cTn id="149" fill="hold">
                             <p:stCondLst>
                               <p:cond delay="0"/>
                             </p:stCondLst>
                             <p:childTnLst>
                               <p:par>
-                                <p:cTn id="153" presetID="7" presetClass="emph" presetSubtype="2" fill="hold" nodeType="clickEffect">
+                                <p:cTn id="150" presetID="7" presetClass="emph" presetSubtype="2" fill="hold" nodeType="clickEffect">
                                   <p:stCondLst>
                                     <p:cond delay="0"/>
                                   </p:stCondLst>
                                   <p:childTnLst>
                                     <p:animClr clrSpc="rgb" dir="cw">
                                       <p:cBhvr>
-                                        <p:cTn id="154" dur="2000" fill="hold"/>
+                                        <p:cTn id="151" dur="2000" fill="hold"/>
                                         <p:tgtEl>
                                           <p:spTgt spid="10"/>
                                         </p:tgtEl>
@@ -21493,7 +22388,7 @@
                                     </p:animClr>
                                     <p:set>
                                       <p:cBhvr>
-                                        <p:cTn id="155" dur="2000" fill="hold"/>
+                                        <p:cTn id="152" dur="2000" fill="hold"/>
                                         <p:tgtEl>
                                           <p:spTgt spid="10"/>
                                         </p:tgtEl>
@@ -21515,26 +22410,26 @@
                     </p:cTn>
                   </p:par>
                   <p:par>
-                    <p:cTn id="156" fill="hold">
+                    <p:cTn id="153" fill="hold">
                       <p:stCondLst>
                         <p:cond delay="indefinite"/>
                       </p:stCondLst>
                       <p:childTnLst>
                         <p:par>
-                          <p:cTn id="157" fill="hold">
+                          <p:cTn id="154" fill="hold">
                             <p:stCondLst>
                               <p:cond delay="0"/>
                             </p:stCondLst>
                             <p:childTnLst>
                               <p:par>
-                                <p:cTn id="158" presetID="9" presetClass="entr" presetSubtype="0" fill="hold" grpId="0" nodeType="clickEffect">
+                                <p:cTn id="155" presetID="9" presetClass="entr" presetSubtype="0" fill="hold" grpId="0" nodeType="clickEffect">
                                   <p:stCondLst>
                                     <p:cond delay="0"/>
                                   </p:stCondLst>
                                   <p:childTnLst>
                                     <p:set>
                                       <p:cBhvr>
-                                        <p:cTn id="159" dur="1" fill="hold">
+                                        <p:cTn id="156" dur="1" fill="hold">
                                           <p:stCondLst>
                                             <p:cond delay="0"/>
                                           </p:stCondLst>
@@ -21552,7 +22447,7 @@
                                     </p:set>
                                     <p:animEffect transition="in" filter="dissolve">
                                       <p:cBhvr>
-                                        <p:cTn id="160" dur="500"/>
+                                        <p:cTn id="157" dur="500"/>
                                         <p:tgtEl>
                                           <p:spTgt spid="68"/>
                                         </p:tgtEl>
@@ -21568,26 +22463,26 @@
                     </p:cTn>
                   </p:par>
                   <p:par>
-                    <p:cTn id="161" fill="hold">
+                    <p:cTn id="158" fill="hold">
                       <p:stCondLst>
                         <p:cond delay="indefinite"/>
                       </p:stCondLst>
                       <p:childTnLst>
                         <p:par>
-                          <p:cTn id="162" fill="hold">
+                          <p:cTn id="159" fill="hold">
                             <p:stCondLst>
                               <p:cond delay="0"/>
                             </p:stCondLst>
                             <p:childTnLst>
                               <p:par>
-                                <p:cTn id="163" presetID="7" presetClass="emph" presetSubtype="2" fill="hold" nodeType="clickEffect">
+                                <p:cTn id="160" presetID="7" presetClass="emph" presetSubtype="2" fill="hold" nodeType="clickEffect">
                                   <p:stCondLst>
                                     <p:cond delay="0"/>
                                   </p:stCondLst>
                                   <p:childTnLst>
                                     <p:animClr clrSpc="rgb" dir="cw">
                                       <p:cBhvr>
-                                        <p:cTn id="164" dur="2000" fill="hold"/>
+                                        <p:cTn id="161" dur="2000" fill="hold"/>
                                         <p:tgtEl>
                                           <p:spTgt spid="10"/>
                                         </p:tgtEl>
@@ -21601,7 +22496,7 @@
                                     </p:animClr>
                                     <p:set>
                                       <p:cBhvr>
-                                        <p:cTn id="165" dur="2000" fill="hold"/>
+                                        <p:cTn id="162" dur="2000" fill="hold"/>
                                         <p:tgtEl>
                                           <p:spTgt spid="10"/>
                                         </p:tgtEl>
@@ -21623,26 +22518,26 @@
                     </p:cTn>
                   </p:par>
                   <p:par>
-                    <p:cTn id="166" fill="hold">
+                    <p:cTn id="163" fill="hold">
                       <p:stCondLst>
                         <p:cond delay="indefinite"/>
                       </p:stCondLst>
                       <p:childTnLst>
                         <p:par>
-                          <p:cTn id="167" fill="hold">
+                          <p:cTn id="164" fill="hold">
                             <p:stCondLst>
                               <p:cond delay="0"/>
                             </p:stCondLst>
                             <p:childTnLst>
                               <p:par>
-                                <p:cTn id="168" presetID="9" presetClass="entr" presetSubtype="0" fill="hold" nodeType="clickEffect">
+                                <p:cTn id="165" presetID="9" presetClass="entr" presetSubtype="0" fill="hold" nodeType="clickEffect">
                                   <p:stCondLst>
                                     <p:cond delay="0"/>
                                   </p:stCondLst>
                                   <p:childTnLst>
                                     <p:set>
                                       <p:cBhvr>
-                                        <p:cTn id="169" dur="1" fill="hold">
+                                        <p:cTn id="166" dur="1" fill="hold">
                                           <p:stCondLst>
                                             <p:cond delay="0"/>
                                           </p:stCondLst>
@@ -21660,7 +22555,7 @@
                                     </p:set>
                                     <p:animEffect transition="in" filter="dissolve">
                                       <p:cBhvr>
-                                        <p:cTn id="170" dur="500"/>
+                                        <p:cTn id="167" dur="500"/>
                                         <p:tgtEl>
                                           <p:spTgt spid="55"/>
                                         </p:tgtEl>
@@ -21676,26 +22571,26 @@
                     </p:cTn>
                   </p:par>
                   <p:par>
-                    <p:cTn id="171" fill="hold">
+                    <p:cTn id="168" fill="hold">
                       <p:stCondLst>
                         <p:cond delay="indefinite"/>
                       </p:stCondLst>
                       <p:childTnLst>
                         <p:par>
-                          <p:cTn id="172" fill="hold">
+                          <p:cTn id="169" fill="hold">
                             <p:stCondLst>
                               <p:cond delay="0"/>
                             </p:stCondLst>
                             <p:childTnLst>
                               <p:par>
-                                <p:cTn id="173" presetID="7" presetClass="emph" presetSubtype="2" fill="hold" nodeType="clickEffect">
+                                <p:cTn id="170" presetID="7" presetClass="emph" presetSubtype="2" fill="hold" nodeType="clickEffect">
                                   <p:stCondLst>
                                     <p:cond delay="0"/>
                                   </p:stCondLst>
                                   <p:childTnLst>
                                     <p:animClr clrSpc="rgb" dir="cw">
                                       <p:cBhvr>
-                                        <p:cTn id="174" dur="2000" fill="hold"/>
+                                        <p:cTn id="171" dur="2000" fill="hold"/>
                                         <p:tgtEl>
                                           <p:spTgt spid="20"/>
                                         </p:tgtEl>
@@ -21709,7 +22604,7 @@
                                     </p:animClr>
                                     <p:set>
                                       <p:cBhvr>
-                                        <p:cTn id="175" dur="2000" fill="hold"/>
+                                        <p:cTn id="172" dur="2000" fill="hold"/>
                                         <p:tgtEl>
                                           <p:spTgt spid="20"/>
                                         </p:tgtEl>
@@ -21731,26 +22626,26 @@
                     </p:cTn>
                   </p:par>
                   <p:par>
-                    <p:cTn id="176" fill="hold">
+                    <p:cTn id="173" fill="hold">
                       <p:stCondLst>
                         <p:cond delay="indefinite"/>
                       </p:stCondLst>
                       <p:childTnLst>
                         <p:par>
-                          <p:cTn id="177" fill="hold">
+                          <p:cTn id="174" fill="hold">
                             <p:stCondLst>
                               <p:cond delay="0"/>
                             </p:stCondLst>
                             <p:childTnLst>
                               <p:par>
-                                <p:cTn id="178" presetID="9" presetClass="entr" presetSubtype="0" fill="hold" nodeType="clickEffect">
+                                <p:cTn id="175" presetID="9" presetClass="entr" presetSubtype="0" fill="hold" nodeType="clickEffect">
                                   <p:stCondLst>
                                     <p:cond delay="0"/>
                                   </p:stCondLst>
                                   <p:childTnLst>
                                     <p:set>
                                       <p:cBhvr>
-                                        <p:cTn id="179" dur="1" fill="hold">
+                                        <p:cTn id="176" dur="1" fill="hold">
                                           <p:stCondLst>
                                             <p:cond delay="0"/>
                                           </p:stCondLst>
@@ -21768,7 +22663,7 @@
                                     </p:set>
                                     <p:animEffect transition="in" filter="dissolve">
                                       <p:cBhvr>
-                                        <p:cTn id="180" dur="500"/>
+                                        <p:cTn id="177" dur="500"/>
                                         <p:tgtEl>
                                           <p:spTgt spid="56"/>
                                         </p:tgtEl>
@@ -21784,26 +22679,26 @@
                     </p:cTn>
                   </p:par>
                   <p:par>
-                    <p:cTn id="181" fill="hold">
+                    <p:cTn id="178" fill="hold">
                       <p:stCondLst>
                         <p:cond delay="indefinite"/>
                       </p:stCondLst>
                       <p:childTnLst>
                         <p:par>
-                          <p:cTn id="182" fill="hold">
+                          <p:cTn id="179" fill="hold">
                             <p:stCondLst>
                               <p:cond delay="0"/>
                             </p:stCondLst>
                             <p:childTnLst>
                               <p:par>
-                                <p:cTn id="183" presetID="7" presetClass="emph" presetSubtype="2" fill="hold" nodeType="clickEffect">
+                                <p:cTn id="180" presetID="7" presetClass="emph" presetSubtype="2" fill="hold" nodeType="clickEffect">
                                   <p:stCondLst>
                                     <p:cond delay="0"/>
                                   </p:stCondLst>
                                   <p:childTnLst>
                                     <p:animClr clrSpc="rgb" dir="cw">
                                       <p:cBhvr>
-                                        <p:cTn id="184" dur="2000" fill="hold"/>
+                                        <p:cTn id="181" dur="2000" fill="hold"/>
                                         <p:tgtEl>
                                           <p:spTgt spid="20"/>
                                         </p:tgtEl>
@@ -21817,7 +22712,7 @@
                                     </p:animClr>
                                     <p:set>
                                       <p:cBhvr>
-                                        <p:cTn id="185" dur="2000" fill="hold"/>
+                                        <p:cTn id="182" dur="2000" fill="hold"/>
                                         <p:tgtEl>
                                           <p:spTgt spid="20"/>
                                         </p:tgtEl>
@@ -21839,26 +22734,26 @@
                     </p:cTn>
                   </p:par>
                   <p:par>
-                    <p:cTn id="186" fill="hold">
+                    <p:cTn id="183" fill="hold">
                       <p:stCondLst>
                         <p:cond delay="indefinite"/>
                       </p:stCondLst>
                       <p:childTnLst>
                         <p:par>
-                          <p:cTn id="187" fill="hold">
+                          <p:cTn id="184" fill="hold">
                             <p:stCondLst>
                               <p:cond delay="0"/>
                             </p:stCondLst>
                             <p:childTnLst>
                               <p:par>
-                                <p:cTn id="188" presetID="7" presetClass="emph" presetSubtype="2" fill="hold" nodeType="clickEffect">
+                                <p:cTn id="185" presetID="7" presetClass="emph" presetSubtype="2" fill="hold" nodeType="clickEffect">
                                   <p:stCondLst>
                                     <p:cond delay="0"/>
                                   </p:stCondLst>
                                   <p:childTnLst>
                                     <p:animClr clrSpc="rgb" dir="cw">
                                       <p:cBhvr>
-                                        <p:cTn id="189" dur="2000" fill="hold"/>
+                                        <p:cTn id="186" dur="2000" fill="hold"/>
                                         <p:tgtEl>
                                           <p:spTgt spid="19"/>
                                         </p:tgtEl>
@@ -21872,7 +22767,7 @@
                                     </p:animClr>
                                     <p:set>
                                       <p:cBhvr>
-                                        <p:cTn id="190" dur="2000" fill="hold"/>
+                                        <p:cTn id="187" dur="2000" fill="hold"/>
                                         <p:tgtEl>
                                           <p:spTgt spid="19"/>
                                         </p:tgtEl>
@@ -21894,26 +22789,26 @@
                     </p:cTn>
                   </p:par>
                   <p:par>
-                    <p:cTn id="191" fill="hold">
+                    <p:cTn id="188" fill="hold">
                       <p:stCondLst>
                         <p:cond delay="indefinite"/>
                       </p:stCondLst>
                       <p:childTnLst>
                         <p:par>
-                          <p:cTn id="192" fill="hold">
+                          <p:cTn id="189" fill="hold">
                             <p:stCondLst>
                               <p:cond delay="0"/>
                             </p:stCondLst>
                             <p:childTnLst>
                               <p:par>
-                                <p:cTn id="193" presetID="9" presetClass="entr" presetSubtype="0" fill="hold" nodeType="clickEffect">
+                                <p:cTn id="190" presetID="9" presetClass="entr" presetSubtype="0" fill="hold" nodeType="clickEffect">
                                   <p:stCondLst>
                                     <p:cond delay="0"/>
                                   </p:stCondLst>
                                   <p:childTnLst>
                                     <p:set>
                                       <p:cBhvr>
-                                        <p:cTn id="194" dur="1" fill="hold">
+                                        <p:cTn id="191" dur="1" fill="hold">
                                           <p:stCondLst>
                                             <p:cond delay="0"/>
                                           </p:stCondLst>
@@ -21931,7 +22826,7 @@
                                     </p:set>
                                     <p:animEffect transition="in" filter="dissolve">
                                       <p:cBhvr>
-                                        <p:cTn id="195" dur="500"/>
+                                        <p:cTn id="192" dur="500"/>
                                         <p:tgtEl>
                                           <p:spTgt spid="57"/>
                                         </p:tgtEl>
@@ -21947,26 +22842,26 @@
                     </p:cTn>
                   </p:par>
                   <p:par>
-                    <p:cTn id="196" fill="hold">
+                    <p:cTn id="193" fill="hold">
                       <p:stCondLst>
                         <p:cond delay="indefinite"/>
                       </p:stCondLst>
                       <p:childTnLst>
                         <p:par>
-                          <p:cTn id="197" fill="hold">
+                          <p:cTn id="194" fill="hold">
                             <p:stCondLst>
                               <p:cond delay="0"/>
                             </p:stCondLst>
                             <p:childTnLst>
                               <p:par>
-                                <p:cTn id="198" presetID="7" presetClass="emph" presetSubtype="2" fill="hold" nodeType="clickEffect">
+                                <p:cTn id="195" presetID="7" presetClass="emph" presetSubtype="2" fill="hold" nodeType="clickEffect">
                                   <p:stCondLst>
                                     <p:cond delay="0"/>
                                   </p:stCondLst>
                                   <p:childTnLst>
                                     <p:animClr clrSpc="rgb" dir="cw">
                                       <p:cBhvr>
-                                        <p:cTn id="199" dur="2000" fill="hold"/>
+                                        <p:cTn id="196" dur="2000" fill="hold"/>
                                         <p:tgtEl>
                                           <p:spTgt spid="11"/>
                                         </p:tgtEl>
@@ -21980,7 +22875,7 @@
                                     </p:animClr>
                                     <p:set>
                                       <p:cBhvr>
-                                        <p:cTn id="200" dur="2000" fill="hold"/>
+                                        <p:cTn id="197" dur="2000" fill="hold"/>
                                         <p:tgtEl>
                                           <p:spTgt spid="11"/>
                                         </p:tgtEl>
@@ -22002,26 +22897,26 @@
                     </p:cTn>
                   </p:par>
                   <p:par>
-                    <p:cTn id="201" fill="hold">
+                    <p:cTn id="198" fill="hold">
                       <p:stCondLst>
                         <p:cond delay="indefinite"/>
                       </p:stCondLst>
                       <p:childTnLst>
                         <p:par>
-                          <p:cTn id="202" fill="hold">
+                          <p:cTn id="199" fill="hold">
                             <p:stCondLst>
                               <p:cond delay="0"/>
                             </p:stCondLst>
                             <p:childTnLst>
                               <p:par>
-                                <p:cTn id="203" presetID="9" presetClass="entr" presetSubtype="0" fill="hold" nodeType="clickEffect">
+                                <p:cTn id="200" presetID="9" presetClass="entr" presetSubtype="0" fill="hold" nodeType="clickEffect">
                                   <p:stCondLst>
                                     <p:cond delay="0"/>
                                   </p:stCondLst>
                                   <p:childTnLst>
                                     <p:set>
                                       <p:cBhvr>
-                                        <p:cTn id="204" dur="1" fill="hold">
+                                        <p:cTn id="201" dur="1" fill="hold">
                                           <p:stCondLst>
                                             <p:cond delay="0"/>
                                           </p:stCondLst>
@@ -22039,7 +22934,7 @@
                                     </p:set>
                                     <p:animEffect transition="in" filter="dissolve">
                                       <p:cBhvr>
-                                        <p:cTn id="205" dur="500"/>
+                                        <p:cTn id="202" dur="500"/>
                                         <p:tgtEl>
                                           <p:spTgt spid="58"/>
                                         </p:tgtEl>
@@ -22055,26 +22950,26 @@
                     </p:cTn>
                   </p:par>
                   <p:par>
-                    <p:cTn id="206" fill="hold">
+                    <p:cTn id="203" fill="hold">
                       <p:stCondLst>
                         <p:cond delay="indefinite"/>
                       </p:stCondLst>
                       <p:childTnLst>
                         <p:par>
-                          <p:cTn id="207" fill="hold">
+                          <p:cTn id="204" fill="hold">
                             <p:stCondLst>
                               <p:cond delay="0"/>
                             </p:stCondLst>
                             <p:childTnLst>
                               <p:par>
-                                <p:cTn id="208" presetID="9" presetClass="entr" presetSubtype="0" fill="hold" nodeType="clickEffect">
+                                <p:cTn id="205" presetID="9" presetClass="entr" presetSubtype="0" fill="hold" nodeType="clickEffect">
                                   <p:stCondLst>
                                     <p:cond delay="0"/>
                                   </p:stCondLst>
                                   <p:childTnLst>
                                     <p:set>
                                       <p:cBhvr>
-                                        <p:cTn id="209" dur="1" fill="hold">
+                                        <p:cTn id="206" dur="1" fill="hold">
                                           <p:stCondLst>
                                             <p:cond delay="0"/>
                                           </p:stCondLst>
@@ -22092,7 +22987,7 @@
                                     </p:set>
                                     <p:animEffect transition="in" filter="dissolve">
                                       <p:cBhvr>
-                                        <p:cTn id="210" dur="500"/>
+                                        <p:cTn id="207" dur="500"/>
                                         <p:tgtEl>
                                           <p:spTgt spid="59"/>
                                         </p:tgtEl>
@@ -22108,26 +23003,26 @@
                     </p:cTn>
                   </p:par>
                   <p:par>
-                    <p:cTn id="211" fill="hold">
+                    <p:cTn id="208" fill="hold">
                       <p:stCondLst>
                         <p:cond delay="indefinite"/>
                       </p:stCondLst>
                       <p:childTnLst>
                         <p:par>
-                          <p:cTn id="212" fill="hold">
+                          <p:cTn id="209" fill="hold">
                             <p:stCondLst>
                               <p:cond delay="0"/>
                             </p:stCondLst>
                             <p:childTnLst>
                               <p:par>
-                                <p:cTn id="213" presetID="7" presetClass="emph" presetSubtype="2" fill="hold" nodeType="clickEffect">
+                                <p:cTn id="210" presetID="7" presetClass="emph" presetSubtype="2" fill="hold" nodeType="clickEffect">
                                   <p:stCondLst>
                                     <p:cond delay="0"/>
                                   </p:stCondLst>
                                   <p:childTnLst>
                                     <p:animClr clrSpc="rgb" dir="cw">
                                       <p:cBhvr>
-                                        <p:cTn id="214" dur="2000" fill="hold"/>
+                                        <p:cTn id="211" dur="2000" fill="hold"/>
                                         <p:tgtEl>
                                           <p:spTgt spid="14"/>
                                         </p:tgtEl>
@@ -22141,7 +23036,7 @@
                                     </p:animClr>
                                     <p:set>
                                       <p:cBhvr>
-                                        <p:cTn id="215" dur="2000" fill="hold"/>
+                                        <p:cTn id="212" dur="2000" fill="hold"/>
                                         <p:tgtEl>
                                           <p:spTgt spid="14"/>
                                         </p:tgtEl>
@@ -22163,26 +23058,26 @@
                     </p:cTn>
                   </p:par>
                   <p:par>
-                    <p:cTn id="216" fill="hold">
+                    <p:cTn id="213" fill="hold">
                       <p:stCondLst>
                         <p:cond delay="indefinite"/>
                       </p:stCondLst>
                       <p:childTnLst>
                         <p:par>
-                          <p:cTn id="217" fill="hold">
+                          <p:cTn id="214" fill="hold">
                             <p:stCondLst>
                               <p:cond delay="0"/>
                             </p:stCondLst>
                             <p:childTnLst>
                               <p:par>
-                                <p:cTn id="218" presetID="7" presetClass="emph" presetSubtype="2" fill="hold" nodeType="clickEffect">
+                                <p:cTn id="215" presetID="7" presetClass="emph" presetSubtype="2" fill="hold" nodeType="clickEffect">
                                   <p:stCondLst>
                                     <p:cond delay="0"/>
                                   </p:stCondLst>
                                   <p:childTnLst>
                                     <p:animClr clrSpc="rgb" dir="cw">
                                       <p:cBhvr>
-                                        <p:cTn id="219" dur="2000" fill="hold"/>
+                                        <p:cTn id="216" dur="2000" fill="hold"/>
                                         <p:tgtEl>
                                           <p:spTgt spid="14"/>
                                         </p:tgtEl>
@@ -22196,7 +23091,7 @@
                                     </p:animClr>
                                     <p:set>
                                       <p:cBhvr>
-                                        <p:cTn id="220" dur="2000" fill="hold"/>
+                                        <p:cTn id="217" dur="2000" fill="hold"/>
                                         <p:tgtEl>
                                           <p:spTgt spid="14"/>
                                         </p:tgtEl>
@@ -22218,26 +23113,26 @@
                     </p:cTn>
                   </p:par>
                   <p:par>
-                    <p:cTn id="221" fill="hold">
+                    <p:cTn id="218" fill="hold">
                       <p:stCondLst>
                         <p:cond delay="indefinite"/>
                       </p:stCondLst>
                       <p:childTnLst>
                         <p:par>
-                          <p:cTn id="222" fill="hold">
+                          <p:cTn id="219" fill="hold">
                             <p:stCondLst>
                               <p:cond delay="0"/>
                             </p:stCondLst>
                             <p:childTnLst>
                               <p:par>
-                                <p:cTn id="223" presetID="9" presetClass="entr" presetSubtype="0" fill="hold" nodeType="clickEffect">
+                                <p:cTn id="220" presetID="9" presetClass="entr" presetSubtype="0" fill="hold" nodeType="clickEffect">
                                   <p:stCondLst>
                                     <p:cond delay="0"/>
                                   </p:stCondLst>
                                   <p:childTnLst>
                                     <p:set>
                                       <p:cBhvr>
-                                        <p:cTn id="224" dur="1" fill="hold">
+                                        <p:cTn id="221" dur="1" fill="hold">
                                           <p:stCondLst>
                                             <p:cond delay="0"/>
                                           </p:stCondLst>
@@ -22255,7 +23150,7 @@
                                     </p:set>
                                     <p:animEffect transition="in" filter="dissolve">
                                       <p:cBhvr>
-                                        <p:cTn id="225" dur="500"/>
+                                        <p:cTn id="222" dur="500"/>
                                         <p:tgtEl>
                                           <p:spTgt spid="60"/>
                                         </p:tgtEl>
@@ -22271,26 +23166,26 @@
                     </p:cTn>
                   </p:par>
                   <p:par>
-                    <p:cTn id="226" fill="hold">
+                    <p:cTn id="223" fill="hold">
                       <p:stCondLst>
                         <p:cond delay="indefinite"/>
                       </p:stCondLst>
                       <p:childTnLst>
                         <p:par>
-                          <p:cTn id="227" fill="hold">
+                          <p:cTn id="224" fill="hold">
                             <p:stCondLst>
                               <p:cond delay="0"/>
                             </p:stCondLst>
                             <p:childTnLst>
                               <p:par>
-                                <p:cTn id="228" presetID="7" presetClass="emph" presetSubtype="2" fill="hold" nodeType="clickEffect">
+                                <p:cTn id="225" presetID="7" presetClass="emph" presetSubtype="2" fill="hold" nodeType="clickEffect">
                                   <p:stCondLst>
                                     <p:cond delay="0"/>
                                   </p:stCondLst>
                                   <p:childTnLst>
                                     <p:animClr clrSpc="rgb" dir="cw">
                                       <p:cBhvr>
-                                        <p:cTn id="229" dur="2000" fill="hold"/>
+                                        <p:cTn id="226" dur="2000" fill="hold"/>
                                         <p:tgtEl>
                                           <p:spTgt spid="17"/>
                                         </p:tgtEl>
@@ -22304,7 +23199,7 @@
                                     </p:animClr>
                                     <p:set>
                                       <p:cBhvr>
-                                        <p:cTn id="230" dur="2000" fill="hold"/>
+                                        <p:cTn id="227" dur="2000" fill="hold"/>
                                         <p:tgtEl>
                                           <p:spTgt spid="17"/>
                                         </p:tgtEl>
@@ -22326,26 +23221,26 @@
                     </p:cTn>
                   </p:par>
                   <p:par>
-                    <p:cTn id="231" fill="hold">
+                    <p:cTn id="228" fill="hold">
                       <p:stCondLst>
                         <p:cond delay="indefinite"/>
                       </p:stCondLst>
                       <p:childTnLst>
                         <p:par>
-                          <p:cTn id="232" fill="hold">
+                          <p:cTn id="229" fill="hold">
                             <p:stCondLst>
                               <p:cond delay="0"/>
                             </p:stCondLst>
                             <p:childTnLst>
                               <p:par>
-                                <p:cTn id="233" presetID="7" presetClass="emph" presetSubtype="2" fill="hold" nodeType="clickEffect">
+                                <p:cTn id="230" presetID="7" presetClass="emph" presetSubtype="2" fill="hold" nodeType="clickEffect">
                                   <p:stCondLst>
                                     <p:cond delay="0"/>
                                   </p:stCondLst>
                                   <p:childTnLst>
                                     <p:animClr clrSpc="rgb" dir="cw">
                                       <p:cBhvr>
-                                        <p:cTn id="234" dur="2000" fill="hold"/>
+                                        <p:cTn id="231" dur="2000" fill="hold"/>
                                         <p:tgtEl>
                                           <p:spTgt spid="17"/>
                                         </p:tgtEl>
@@ -22359,7 +23254,7 @@
                                     </p:animClr>
                                     <p:set>
                                       <p:cBhvr>
-                                        <p:cTn id="235" dur="2000" fill="hold"/>
+                                        <p:cTn id="232" dur="2000" fill="hold"/>
                                         <p:tgtEl>
                                           <p:spTgt spid="17"/>
                                         </p:tgtEl>
@@ -22381,26 +23276,26 @@
                     </p:cTn>
                   </p:par>
                   <p:par>
-                    <p:cTn id="236" fill="hold">
+                    <p:cTn id="233" fill="hold">
                       <p:stCondLst>
                         <p:cond delay="indefinite"/>
                       </p:stCondLst>
                       <p:childTnLst>
                         <p:par>
-                          <p:cTn id="237" fill="hold">
+                          <p:cTn id="234" fill="hold">
                             <p:stCondLst>
                               <p:cond delay="0"/>
                             </p:stCondLst>
                             <p:childTnLst>
                               <p:par>
-                                <p:cTn id="238" presetID="9" presetClass="entr" presetSubtype="0" fill="hold" nodeType="clickEffect">
+                                <p:cTn id="235" presetID="9" presetClass="entr" presetSubtype="0" fill="hold" nodeType="clickEffect">
                                   <p:stCondLst>
                                     <p:cond delay="0"/>
                                   </p:stCondLst>
                                   <p:childTnLst>
                                     <p:set>
                                       <p:cBhvr>
-                                        <p:cTn id="239" dur="1" fill="hold">
+                                        <p:cTn id="236" dur="1" fill="hold">
                                           <p:stCondLst>
                                             <p:cond delay="0"/>
                                           </p:stCondLst>
@@ -22418,7 +23313,7 @@
                                     </p:set>
                                     <p:animEffect transition="in" filter="dissolve">
                                       <p:cBhvr>
-                                        <p:cTn id="240" dur="500"/>
+                                        <p:cTn id="237" dur="500"/>
                                         <p:tgtEl>
                                           <p:spTgt spid="61"/>
                                         </p:tgtEl>
@@ -22434,26 +23329,26 @@
                     </p:cTn>
                   </p:par>
                   <p:par>
-                    <p:cTn id="241" fill="hold">
+                    <p:cTn id="238" fill="hold">
                       <p:stCondLst>
                         <p:cond delay="indefinite"/>
                       </p:stCondLst>
                       <p:childTnLst>
                         <p:par>
-                          <p:cTn id="242" fill="hold">
+                          <p:cTn id="239" fill="hold">
                             <p:stCondLst>
                               <p:cond delay="0"/>
                             </p:stCondLst>
                             <p:childTnLst>
                               <p:par>
-                                <p:cTn id="243" presetID="7" presetClass="emph" presetSubtype="2" fill="hold" nodeType="clickEffect">
+                                <p:cTn id="240" presetID="7" presetClass="emph" presetSubtype="2" fill="hold" nodeType="clickEffect">
                                   <p:stCondLst>
                                     <p:cond delay="0"/>
                                   </p:stCondLst>
                                   <p:childTnLst>
                                     <p:animClr clrSpc="rgb" dir="cw">
                                       <p:cBhvr>
-                                        <p:cTn id="244" dur="2000" fill="hold"/>
+                                        <p:cTn id="241" dur="2000" fill="hold"/>
                                         <p:tgtEl>
                                           <p:spTgt spid="29"/>
                                         </p:tgtEl>
@@ -22467,7 +23362,7 @@
                                     </p:animClr>
                                     <p:set>
                                       <p:cBhvr>
-                                        <p:cTn id="245" dur="2000" fill="hold"/>
+                                        <p:cTn id="242" dur="2000" fill="hold"/>
                                         <p:tgtEl>
                                           <p:spTgt spid="29"/>
                                         </p:tgtEl>
@@ -22489,26 +23384,26 @@
                     </p:cTn>
                   </p:par>
                   <p:par>
-                    <p:cTn id="246" fill="hold">
+                    <p:cTn id="243" fill="hold">
                       <p:stCondLst>
                         <p:cond delay="indefinite"/>
                       </p:stCondLst>
                       <p:childTnLst>
                         <p:par>
-                          <p:cTn id="247" fill="hold">
+                          <p:cTn id="244" fill="hold">
                             <p:stCondLst>
                               <p:cond delay="0"/>
                             </p:stCondLst>
                             <p:childTnLst>
                               <p:par>
-                                <p:cTn id="248" presetID="9" presetClass="entr" presetSubtype="0" fill="hold" nodeType="clickEffect">
+                                <p:cTn id="245" presetID="9" presetClass="entr" presetSubtype="0" fill="hold" nodeType="clickEffect">
                                   <p:stCondLst>
                                     <p:cond delay="0"/>
                                   </p:stCondLst>
                                   <p:childTnLst>
                                     <p:set>
                                       <p:cBhvr>
-                                        <p:cTn id="249" dur="1" fill="hold">
+                                        <p:cTn id="246" dur="1" fill="hold">
                                           <p:stCondLst>
                                             <p:cond delay="0"/>
                                           </p:stCondLst>
@@ -22526,7 +23421,7 @@
                                     </p:set>
                                     <p:animEffect transition="in" filter="dissolve">
                                       <p:cBhvr>
-                                        <p:cTn id="250" dur="500"/>
+                                        <p:cTn id="247" dur="500"/>
                                         <p:tgtEl>
                                           <p:spTgt spid="62"/>
                                         </p:tgtEl>
@@ -22542,26 +23437,26 @@
                     </p:cTn>
                   </p:par>
                   <p:par>
-                    <p:cTn id="251" fill="hold">
+                    <p:cTn id="248" fill="hold">
                       <p:stCondLst>
                         <p:cond delay="indefinite"/>
                       </p:stCondLst>
                       <p:childTnLst>
                         <p:par>
-                          <p:cTn id="252" fill="hold">
+                          <p:cTn id="249" fill="hold">
                             <p:stCondLst>
                               <p:cond delay="0"/>
                             </p:stCondLst>
                             <p:childTnLst>
                               <p:par>
-                                <p:cTn id="253" presetID="7" presetClass="emph" presetSubtype="2" fill="hold" nodeType="clickEffect">
+                                <p:cTn id="250" presetID="7" presetClass="emph" presetSubtype="2" fill="hold" nodeType="clickEffect">
                                   <p:stCondLst>
                                     <p:cond delay="0"/>
                                   </p:stCondLst>
                                   <p:childTnLst>
                                     <p:animClr clrSpc="rgb" dir="cw">
                                       <p:cBhvr>
-                                        <p:cTn id="254" dur="2000" fill="hold"/>
+                                        <p:cTn id="251" dur="2000" fill="hold"/>
                                         <p:tgtEl>
                                           <p:spTgt spid="8"/>
                                         </p:tgtEl>
@@ -22575,7 +23470,7 @@
                                     </p:animClr>
                                     <p:set>
                                       <p:cBhvr>
-                                        <p:cTn id="255" dur="2000" fill="hold"/>
+                                        <p:cTn id="252" dur="2000" fill="hold"/>
                                         <p:tgtEl>
                                           <p:spTgt spid="8"/>
                                         </p:tgtEl>
@@ -22597,26 +23492,26 @@
                     </p:cTn>
                   </p:par>
                   <p:par>
-                    <p:cTn id="256" fill="hold">
+                    <p:cTn id="253" fill="hold">
                       <p:stCondLst>
                         <p:cond delay="indefinite"/>
                       </p:stCondLst>
                       <p:childTnLst>
                         <p:par>
-                          <p:cTn id="257" fill="hold">
+                          <p:cTn id="254" fill="hold">
                             <p:stCondLst>
                               <p:cond delay="0"/>
                             </p:stCondLst>
                             <p:childTnLst>
                               <p:par>
-                                <p:cTn id="258" presetID="7" presetClass="emph" presetSubtype="2" fill="hold" nodeType="clickEffect">
+                                <p:cTn id="255" presetID="7" presetClass="emph" presetSubtype="2" fill="hold" nodeType="clickEffect">
                                   <p:stCondLst>
                                     <p:cond delay="0"/>
                                   </p:stCondLst>
                                   <p:childTnLst>
                                     <p:animClr clrSpc="rgb" dir="cw">
                                       <p:cBhvr>
-                                        <p:cTn id="259" dur="2000" fill="hold"/>
+                                        <p:cTn id="256" dur="2000" fill="hold"/>
                                         <p:tgtEl>
                                           <p:spTgt spid="8"/>
                                         </p:tgtEl>
@@ -22630,7 +23525,7 @@
                                     </p:animClr>
                                     <p:set>
                                       <p:cBhvr>
-                                        <p:cTn id="260" dur="2000" fill="hold"/>
+                                        <p:cTn id="257" dur="2000" fill="hold"/>
                                         <p:tgtEl>
                                           <p:spTgt spid="8"/>
                                         </p:tgtEl>
@@ -22652,26 +23547,26 @@
                     </p:cTn>
                   </p:par>
                   <p:par>
-                    <p:cTn id="261" fill="hold">
+                    <p:cTn id="258" fill="hold">
                       <p:stCondLst>
                         <p:cond delay="indefinite"/>
                       </p:stCondLst>
                       <p:childTnLst>
                         <p:par>
-                          <p:cTn id="262" fill="hold">
+                          <p:cTn id="259" fill="hold">
                             <p:stCondLst>
                               <p:cond delay="0"/>
                             </p:stCondLst>
                             <p:childTnLst>
                               <p:par>
-                                <p:cTn id="263" presetID="9" presetClass="entr" presetSubtype="0" fill="hold" nodeType="clickEffect">
+                                <p:cTn id="260" presetID="9" presetClass="entr" presetSubtype="0" fill="hold" nodeType="clickEffect">
                                   <p:stCondLst>
                                     <p:cond delay="0"/>
                                   </p:stCondLst>
                                   <p:childTnLst>
                                     <p:set>
                                       <p:cBhvr>
-                                        <p:cTn id="264" dur="1" fill="hold">
+                                        <p:cTn id="261" dur="1" fill="hold">
                                           <p:stCondLst>
                                             <p:cond delay="0"/>
                                           </p:stCondLst>
@@ -22689,7 +23584,7 @@
                                     </p:set>
                                     <p:animEffect transition="in" filter="dissolve">
                                       <p:cBhvr>
-                                        <p:cTn id="265" dur="500"/>
+                                        <p:cTn id="262" dur="500"/>
                                         <p:tgtEl>
                                           <p:spTgt spid="63"/>
                                         </p:tgtEl>
@@ -22705,26 +23600,26 @@
                     </p:cTn>
                   </p:par>
                   <p:par>
-                    <p:cTn id="266" fill="hold">
+                    <p:cTn id="263" fill="hold">
                       <p:stCondLst>
                         <p:cond delay="indefinite"/>
                       </p:stCondLst>
                       <p:childTnLst>
                         <p:par>
-                          <p:cTn id="267" fill="hold">
+                          <p:cTn id="264" fill="hold">
                             <p:stCondLst>
                               <p:cond delay="0"/>
                             </p:stCondLst>
                             <p:childTnLst>
                               <p:par>
-                                <p:cTn id="268" presetID="7" presetClass="emph" presetSubtype="2" fill="hold" nodeType="clickEffect">
+                                <p:cTn id="265" presetID="7" presetClass="emph" presetSubtype="2" fill="hold" nodeType="clickEffect">
                                   <p:stCondLst>
                                     <p:cond delay="0"/>
                                   </p:stCondLst>
                                   <p:childTnLst>
                                     <p:animClr clrSpc="rgb" dir="cw">
                                       <p:cBhvr>
-                                        <p:cTn id="269" dur="2000" fill="hold"/>
+                                        <p:cTn id="266" dur="2000" fill="hold"/>
                                         <p:tgtEl>
                                           <p:spTgt spid="16"/>
                                         </p:tgtEl>
@@ -22738,7 +23633,7 @@
                                     </p:animClr>
                                     <p:set>
                                       <p:cBhvr>
-                                        <p:cTn id="270" dur="2000" fill="hold"/>
+                                        <p:cTn id="267" dur="2000" fill="hold"/>
                                         <p:tgtEl>
                                           <p:spTgt spid="16"/>
                                         </p:tgtEl>
@@ -22760,26 +23655,26 @@
                     </p:cTn>
                   </p:par>
                   <p:par>
-                    <p:cTn id="271" fill="hold">
+                    <p:cTn id="268" fill="hold">
                       <p:stCondLst>
                         <p:cond delay="indefinite"/>
                       </p:stCondLst>
                       <p:childTnLst>
                         <p:par>
-                          <p:cTn id="272" fill="hold">
+                          <p:cTn id="269" fill="hold">
                             <p:stCondLst>
                               <p:cond delay="0"/>
                             </p:stCondLst>
                             <p:childTnLst>
                               <p:par>
-                                <p:cTn id="273" presetID="7" presetClass="emph" presetSubtype="2" fill="hold" nodeType="clickEffect">
+                                <p:cTn id="270" presetID="7" presetClass="emph" presetSubtype="2" fill="hold" nodeType="clickEffect">
                                   <p:stCondLst>
                                     <p:cond delay="0"/>
                                   </p:stCondLst>
                                   <p:childTnLst>
                                     <p:animClr clrSpc="rgb" dir="cw">
                                       <p:cBhvr>
-                                        <p:cTn id="274" dur="2000" fill="hold"/>
+                                        <p:cTn id="271" dur="2000" fill="hold"/>
                                         <p:tgtEl>
                                           <p:spTgt spid="16"/>
                                         </p:tgtEl>
@@ -22793,7 +23688,7 @@
                                     </p:animClr>
                                     <p:set>
                                       <p:cBhvr>
-                                        <p:cTn id="275" dur="2000" fill="hold"/>
+                                        <p:cTn id="272" dur="2000" fill="hold"/>
                                         <p:tgtEl>
                                           <p:spTgt spid="16"/>
                                         </p:tgtEl>
@@ -22815,26 +23710,26 @@
                     </p:cTn>
                   </p:par>
                   <p:par>
-                    <p:cTn id="276" fill="hold">
+                    <p:cTn id="273" fill="hold">
                       <p:stCondLst>
                         <p:cond delay="indefinite"/>
                       </p:stCondLst>
                       <p:childTnLst>
                         <p:par>
-                          <p:cTn id="277" fill="hold">
+                          <p:cTn id="274" fill="hold">
                             <p:stCondLst>
                               <p:cond delay="0"/>
                             </p:stCondLst>
                             <p:childTnLst>
                               <p:par>
-                                <p:cTn id="278" presetID="9" presetClass="entr" presetSubtype="0" fill="hold" nodeType="clickEffect">
+                                <p:cTn id="275" presetID="9" presetClass="entr" presetSubtype="0" fill="hold" nodeType="clickEffect">
                                   <p:stCondLst>
                                     <p:cond delay="0"/>
                                   </p:stCondLst>
                                   <p:childTnLst>
                                     <p:set>
                                       <p:cBhvr>
-                                        <p:cTn id="279" dur="1" fill="hold">
+                                        <p:cTn id="276" dur="1" fill="hold">
                                           <p:stCondLst>
                                             <p:cond delay="0"/>
                                           </p:stCondLst>
@@ -22852,7 +23747,7 @@
                                     </p:set>
                                     <p:animEffect transition="in" filter="dissolve">
                                       <p:cBhvr>
-                                        <p:cTn id="280" dur="500"/>
+                                        <p:cTn id="277" dur="500"/>
                                         <p:tgtEl>
                                           <p:spTgt spid="92"/>
                                         </p:tgtEl>
@@ -22868,26 +23763,26 @@
                     </p:cTn>
                   </p:par>
                   <p:par>
-                    <p:cTn id="281" fill="hold">
+                    <p:cTn id="278" fill="hold">
                       <p:stCondLst>
                         <p:cond delay="indefinite"/>
                       </p:stCondLst>
                       <p:childTnLst>
                         <p:par>
-                          <p:cTn id="282" fill="hold">
+                          <p:cTn id="279" fill="hold">
                             <p:stCondLst>
                               <p:cond delay="0"/>
                             </p:stCondLst>
                             <p:childTnLst>
                               <p:par>
-                                <p:cTn id="283" presetID="7" presetClass="emph" presetSubtype="2" fill="hold" nodeType="clickEffect">
+                                <p:cTn id="280" presetID="7" presetClass="emph" presetSubtype="2" fill="hold" nodeType="clickEffect">
                                   <p:stCondLst>
                                     <p:cond delay="0"/>
                                   </p:stCondLst>
                                   <p:childTnLst>
                                     <p:animClr clrSpc="rgb" dir="cw">
                                       <p:cBhvr>
-                                        <p:cTn id="284" dur="2000" fill="hold"/>
+                                        <p:cTn id="281" dur="2000" fill="hold"/>
                                         <p:tgtEl>
                                           <p:spTgt spid="15"/>
                                         </p:tgtEl>
@@ -22901,7 +23796,7 @@
                                     </p:animClr>
                                     <p:set>
                                       <p:cBhvr>
-                                        <p:cTn id="285" dur="2000" fill="hold"/>
+                                        <p:cTn id="282" dur="2000" fill="hold"/>
                                         <p:tgtEl>
                                           <p:spTgt spid="15"/>
                                         </p:tgtEl>
@@ -22923,26 +23818,26 @@
                     </p:cTn>
                   </p:par>
                   <p:par>
-                    <p:cTn id="286" fill="hold">
+                    <p:cTn id="283" fill="hold">
                       <p:stCondLst>
                         <p:cond delay="indefinite"/>
                       </p:stCondLst>
                       <p:childTnLst>
                         <p:par>
-                          <p:cTn id="287" fill="hold">
+                          <p:cTn id="284" fill="hold">
                             <p:stCondLst>
                               <p:cond delay="0"/>
                             </p:stCondLst>
                             <p:childTnLst>
                               <p:par>
-                                <p:cTn id="288" presetID="7" presetClass="emph" presetSubtype="2" fill="hold" nodeType="clickEffect">
+                                <p:cTn id="285" presetID="7" presetClass="emph" presetSubtype="2" fill="hold" nodeType="clickEffect">
                                   <p:stCondLst>
                                     <p:cond delay="0"/>
                                   </p:stCondLst>
                                   <p:childTnLst>
                                     <p:animClr clrSpc="rgb" dir="cw">
                                       <p:cBhvr>
-                                        <p:cTn id="289" dur="2000" fill="hold"/>
+                                        <p:cTn id="286" dur="2000" fill="hold"/>
                                         <p:tgtEl>
                                           <p:spTgt spid="15"/>
                                         </p:tgtEl>
@@ -22956,7 +23851,7 @@
                                     </p:animClr>
                                     <p:set>
                                       <p:cBhvr>
-                                        <p:cTn id="290" dur="2000" fill="hold"/>
+                                        <p:cTn id="287" dur="2000" fill="hold"/>
                                         <p:tgtEl>
                                           <p:spTgt spid="15"/>
                                         </p:tgtEl>
@@ -22966,6 +23861,147 @@
                                       </p:cBhvr>
                                       <p:to>
                                         <p:strVal val="true"/>
+                                      </p:to>
+                                    </p:set>
+                                  </p:childTnLst>
+                                </p:cTn>
+                              </p:par>
+                            </p:childTnLst>
+                          </p:cTn>
+                        </p:par>
+                      </p:childTnLst>
+                    </p:cTn>
+                  </p:par>
+                  <p:par>
+                    <p:cTn id="288" fill="hold">
+                      <p:stCondLst>
+                        <p:cond delay="indefinite"/>
+                      </p:stCondLst>
+                      <p:childTnLst>
+                        <p:par>
+                          <p:cTn id="289" fill="hold">
+                            <p:stCondLst>
+                              <p:cond delay="0"/>
+                            </p:stCondLst>
+                            <p:childTnLst>
+                              <p:par>
+                                <p:cTn id="290" presetID="1" presetClass="emph" presetSubtype="2" fill="hold" nodeType="clickEffect">
+                                  <p:stCondLst>
+                                    <p:cond delay="0"/>
+                                  </p:stCondLst>
+                                  <p:childTnLst>
+                                    <p:animClr clrSpc="rgb" dir="cw">
+                                      <p:cBhvr>
+                                        <p:cTn id="291" dur="2000" fill="hold"/>
+                                        <p:tgtEl>
+                                          <p:spTgt spid="48"/>
+                                        </p:tgtEl>
+                                        <p:attrNameLst>
+                                          <p:attrName>fillcolor</p:attrName>
+                                        </p:attrNameLst>
+                                      </p:cBhvr>
+                                      <p:to>
+                                        <a:schemeClr val="accent1"/>
+                                      </p:to>
+                                    </p:animClr>
+                                    <p:set>
+                                      <p:cBhvr>
+                                        <p:cTn id="292" dur="2000" fill="hold"/>
+                                        <p:tgtEl>
+                                          <p:spTgt spid="48"/>
+                                        </p:tgtEl>
+                                        <p:attrNameLst>
+                                          <p:attrName>fill.type</p:attrName>
+                                        </p:attrNameLst>
+                                      </p:cBhvr>
+                                      <p:to>
+                                        <p:strVal val="solid"/>
+                                      </p:to>
+                                    </p:set>
+                                    <p:set>
+                                      <p:cBhvr>
+                                        <p:cTn id="293" dur="2000" fill="hold"/>
+                                        <p:tgtEl>
+                                          <p:spTgt spid="48"/>
+                                        </p:tgtEl>
+                                        <p:attrNameLst>
+                                          <p:attrName>fill.on</p:attrName>
+                                        </p:attrNameLst>
+                                      </p:cBhvr>
+                                      <p:to>
+                                        <p:strVal val="true"/>
+                                      </p:to>
+                                    </p:set>
+                                  </p:childTnLst>
+                                </p:cTn>
+                              </p:par>
+                            </p:childTnLst>
+                          </p:cTn>
+                        </p:par>
+                      </p:childTnLst>
+                    </p:cTn>
+                  </p:par>
+                  <p:par>
+                    <p:cTn id="294" fill="hold">
+                      <p:stCondLst>
+                        <p:cond delay="indefinite"/>
+                      </p:stCondLst>
+                      <p:childTnLst>
+                        <p:par>
+                          <p:cTn id="295" fill="hold">
+                            <p:stCondLst>
+                              <p:cond delay="0"/>
+                            </p:stCondLst>
+                            <p:childTnLst>
+                              <p:par>
+                                <p:cTn id="296" presetID="1" presetClass="entr" presetSubtype="0" fill="hold" nodeType="clickEffect">
+                                  <p:stCondLst>
+                                    <p:cond delay="0"/>
+                                  </p:stCondLst>
+                                  <p:childTnLst>
+                                    <p:set>
+                                      <p:cBhvr>
+                                        <p:cTn id="297" dur="1" fill="hold">
+                                          <p:stCondLst>
+                                            <p:cond delay="0"/>
+                                          </p:stCondLst>
+                                        </p:cTn>
+                                        <p:tgtEl>
+                                          <p:spTgt spid="110"/>
+                                        </p:tgtEl>
+                                        <p:attrNameLst>
+                                          <p:attrName>style.visibility</p:attrName>
+                                        </p:attrNameLst>
+                                      </p:cBhvr>
+                                      <p:to>
+                                        <p:strVal val="visible"/>
+                                      </p:to>
+                                    </p:set>
+                                  </p:childTnLst>
+                                </p:cTn>
+                              </p:par>
+                              <p:par>
+                                <p:cTn id="298" presetID="1" presetClass="entr" presetSubtype="0" fill="hold" grpId="0" nodeType="withEffect">
+                                  <p:stCondLst>
+                                    <p:cond delay="0"/>
+                                  </p:stCondLst>
+                                  <p:childTnLst>
+                                    <p:set>
+                                      <p:cBhvr>
+                                        <p:cTn id="299" dur="1" fill="hold">
+                                          <p:stCondLst>
+                                            <p:cond delay="0"/>
+                                          </p:stCondLst>
+                                        </p:cTn>
+                                        <p:tgtEl>
+                                          <p:spTgt spid="112"/>
+                                        </p:tgtEl>
+                                        <p:attrNameLst>
+                                          <p:attrName>style.visibility</p:attrName>
+                                        </p:attrNameLst>
+                                      </p:cBhvr>
+                                      <p:to>
+                                        <p:strVal val="visible"/>
                                       </p:to>
                                     </p:set>
                                   </p:childTnLst>
@@ -23009,9 +24045,9 @@
       <p:bldP spid="26" grpId="0" animBg="1"/>
       <p:bldP spid="27" grpId="0" animBg="1"/>
       <p:bldP spid="64" grpId="0"/>
-      <p:bldP spid="65" grpId="0"/>
       <p:bldP spid="66" grpId="0"/>
       <p:bldP spid="68" grpId="0"/>
+      <p:bldP spid="112" grpId="0"/>
     </p:bldLst>
   </p:timing>
 </p:sld>
@@ -36865,10 +37901,10 @@
         </p:nvGrpSpPr>
         <p:grpSpPr>
           <a:xfrm>
-            <a:off x="4922997" y="4899445"/>
-            <a:ext cx="3763403" cy="1875871"/>
-            <a:chOff x="4922997" y="4899445"/>
-            <a:chExt cx="3763403" cy="1875871"/>
+            <a:off x="4399730" y="4899445"/>
+            <a:ext cx="4539256" cy="1871590"/>
+            <a:chOff x="4399730" y="4899445"/>
+            <a:chExt cx="4539256" cy="1871590"/>
           </a:xfrm>
         </p:grpSpPr>
         <p:sp>
@@ -38386,8 +39422,8 @@
           </p:nvSpPr>
           <p:spPr>
             <a:xfrm>
-              <a:off x="4922997" y="6498317"/>
-              <a:ext cx="3763403" cy="276999"/>
+              <a:off x="4399730" y="6494036"/>
+              <a:ext cx="4539256" cy="276999"/>
             </a:xfrm>
             <a:prstGeom prst="rect">
               <a:avLst/>
@@ -38401,14 +39437,14 @@
             <a:lstStyle/>
             <a:p>
               <a:r>
-                <a:rPr lang="en-US" altLang="zh-CN" sz="1200" dirty="0" err="1">
+                <a:rPr lang="en-US" altLang="zh-CN" sz="1200" dirty="0">
                   <a:solidFill>
                     <a:schemeClr val="accent2"/>
                   </a:solidFill>
                   <a:latin typeface="Arial" panose="020B0604020202020204" pitchFamily="34" charset="0"/>
                   <a:cs typeface="Arial" panose="020B0604020202020204" pitchFamily="34" charset="0"/>
                 </a:rPr>
-                <a:t>spnning</a:t>
+                <a:t>Minimum Spanning</a:t>
               </a:r>
               <a:r>
                 <a:rPr lang="zh-CN" altLang="en-US" sz="1200" dirty="0">
@@ -38428,7 +39464,7 @@
                   <a:latin typeface="Arial" panose="020B0604020202020204" pitchFamily="34" charset="0"/>
                   <a:cs typeface="Arial" panose="020B0604020202020204" pitchFamily="34" charset="0"/>
                 </a:rPr>
-                <a:t>tree</a:t>
+                <a:t>Tree</a:t>
               </a:r>
               <a:r>
                 <a:rPr lang="zh-CN" altLang="en-US" sz="1200" dirty="0">
@@ -39510,17 +40546,15 @@
           <a:p>
             <a:r>
               <a:rPr lang="en-GB" dirty="0"/>
-              <a:t>In the lecture and exams, when there are multiple possible orders of visiting the next node, select the next node in alphabetical or numerical order</a:t>
+              <a:t>In the lecture and exams, when there are multiple possible orders of visiting the next node (in case of a tie), we generally select the next node in alphabetical or numerical order</a:t>
             </a:r>
           </a:p>
           <a:p>
             <a:pPr lvl="1"/>
             <a:r>
               <a:rPr lang="en-GB" dirty="0"/>
-              <a:t>The intermediate steps will depend on the order, but final result will be the same</a:t>
-            </a:r>
-          </a:p>
-          <a:p>
+              <a:t>The solution will always be guaranteed to be optimal, but the MST may be different depending on the order of visits</a:t>
+            </a:r>
             <a:endParaRPr lang="en-SE" dirty="0"/>
           </a:p>
         </p:txBody>

--- a/PPTs/Lecture 14-minimum spanning trees.pptx
+++ b/PPTs/Lecture 14-minimum spanning trees.pptx
@@ -5,7 +5,7 @@
     <p:sldMasterId id="2147483648" r:id="rId1"/>
   </p:sldMasterIdLst>
   <p:notesMasterIdLst>
-    <p:notesMasterId r:id="rId31"/>
+    <p:notesMasterId r:id="rId32"/>
   </p:notesMasterIdLst>
   <p:sldIdLst>
     <p:sldId id="256" r:id="rId2"/>
@@ -37,6 +37,7 @@
     <p:sldId id="361" r:id="rId28"/>
     <p:sldId id="333" r:id="rId29"/>
     <p:sldId id="349" r:id="rId30"/>
+    <p:sldId id="368" r:id="rId31"/>
   </p:sldIdLst>
   <p:sldSz cx="9144000" cy="6858000" type="screen4x3"/>
   <p:notesSz cx="6858000" cy="9144000"/>
@@ -236,7 +237,7 @@
           <a:p>
             <a:fld id="{1B0CF57B-C747-FC49-8C8F-81AE37C96CA4}" type="datetimeFigureOut">
               <a:rPr lang="en-US" smtClean="0"/>
-              <a:t>4/23/2025</a:t>
+              <a:t>4/26/2025</a:t>
             </a:fld>
             <a:endParaRPr lang="en-US"/>
           </a:p>
@@ -1693,7 +1694,7 @@
           <a:p>
             <a:fld id="{FB221443-D73C-634A-A910-7320408C156D}" type="datetimeFigureOut">
               <a:rPr lang="en-US" smtClean="0"/>
-              <a:t>4/23/2025</a:t>
+              <a:t>4/26/2025</a:t>
             </a:fld>
             <a:endParaRPr lang="en-US"/>
           </a:p>
@@ -1871,7 +1872,7 @@
           <a:p>
             <a:fld id="{FB221443-D73C-634A-A910-7320408C156D}" type="datetimeFigureOut">
               <a:rPr lang="en-US" smtClean="0"/>
-              <a:t>4/23/2025</a:t>
+              <a:t>4/26/2025</a:t>
             </a:fld>
             <a:endParaRPr lang="en-US"/>
           </a:p>
@@ -2059,7 +2060,7 @@
           <a:p>
             <a:fld id="{FB221443-D73C-634A-A910-7320408C156D}" type="datetimeFigureOut">
               <a:rPr lang="en-US" smtClean="0"/>
-              <a:t>4/23/2025</a:t>
+              <a:t>4/26/2025</a:t>
             </a:fld>
             <a:endParaRPr lang="en-US"/>
           </a:p>
@@ -2237,7 +2238,7 @@
           <a:p>
             <a:fld id="{FB221443-D73C-634A-A910-7320408C156D}" type="datetimeFigureOut">
               <a:rPr lang="en-US" smtClean="0"/>
-              <a:t>4/23/2025</a:t>
+              <a:t>4/26/2025</a:t>
             </a:fld>
             <a:endParaRPr lang="en-US"/>
           </a:p>
@@ -2491,7 +2492,7 @@
           <a:p>
             <a:fld id="{FB221443-D73C-634A-A910-7320408C156D}" type="datetimeFigureOut">
               <a:rPr lang="en-US" smtClean="0"/>
-              <a:t>4/23/2025</a:t>
+              <a:t>4/26/2025</a:t>
             </a:fld>
             <a:endParaRPr lang="en-US"/>
           </a:p>
@@ -2787,7 +2788,7 @@
           <a:p>
             <a:fld id="{FB221443-D73C-634A-A910-7320408C156D}" type="datetimeFigureOut">
               <a:rPr lang="en-US" smtClean="0"/>
-              <a:t>4/23/2025</a:t>
+              <a:t>4/26/2025</a:t>
             </a:fld>
             <a:endParaRPr lang="en-US"/>
           </a:p>
@@ -3217,7 +3218,7 @@
           <a:p>
             <a:fld id="{FB221443-D73C-634A-A910-7320408C156D}" type="datetimeFigureOut">
               <a:rPr lang="en-US" smtClean="0"/>
-              <a:t>4/23/2025</a:t>
+              <a:t>4/26/2025</a:t>
             </a:fld>
             <a:endParaRPr lang="en-US"/>
           </a:p>
@@ -3343,7 +3344,7 @@
           <a:p>
             <a:fld id="{FB221443-D73C-634A-A910-7320408C156D}" type="datetimeFigureOut">
               <a:rPr lang="en-US" smtClean="0"/>
-              <a:t>4/23/2025</a:t>
+              <a:t>4/26/2025</a:t>
             </a:fld>
             <a:endParaRPr lang="en-US"/>
           </a:p>
@@ -3446,7 +3447,7 @@
           <a:p>
             <a:fld id="{FB221443-D73C-634A-A910-7320408C156D}" type="datetimeFigureOut">
               <a:rPr lang="en-US" smtClean="0"/>
-              <a:t>4/23/2025</a:t>
+              <a:t>4/26/2025</a:t>
             </a:fld>
             <a:endParaRPr lang="en-US"/>
           </a:p>
@@ -3731,7 +3732,7 @@
           <a:p>
             <a:fld id="{FB221443-D73C-634A-A910-7320408C156D}" type="datetimeFigureOut">
               <a:rPr lang="en-US" smtClean="0"/>
-              <a:t>4/23/2025</a:t>
+              <a:t>4/26/2025</a:t>
             </a:fld>
             <a:endParaRPr lang="en-US"/>
           </a:p>
@@ -3992,7 +3993,7 @@
           <a:p>
             <a:fld id="{FB221443-D73C-634A-A910-7320408C156D}" type="datetimeFigureOut">
               <a:rPr lang="en-US" smtClean="0"/>
-              <a:t>4/23/2025</a:t>
+              <a:t>4/26/2025</a:t>
             </a:fld>
             <a:endParaRPr lang="en-US"/>
           </a:p>
@@ -4213,7 +4214,7 @@
           <a:p>
             <a:fld id="{FB221443-D73C-634A-A910-7320408C156D}" type="datetimeFigureOut">
               <a:rPr lang="en-US" smtClean="0"/>
-              <a:t>4/23/2025</a:t>
+              <a:t>4/26/2025</a:t>
             </a:fld>
             <a:endParaRPr lang="en-US"/>
           </a:p>
@@ -26443,7 +26444,7 @@
           <a:p>
             <a:r>
               <a:rPr lang="en-GB" dirty="0"/>
-              <a:t>Online Tutorials</a:t>
+              <a:t>References</a:t>
             </a:r>
             <a:endParaRPr lang="en-SE" dirty="0"/>
           </a:p>
@@ -26933,6 +26934,107 @@
     <p:extLst>
       <p:ext uri="{BB962C8B-B14F-4D97-AF65-F5344CB8AC3E}">
         <p14:creationId xmlns:p14="http://schemas.microsoft.com/office/powerpoint/2010/main" val="2834155932"/>
+      </p:ext>
+    </p:extLst>
+  </p:cSld>
+  <p:clrMapOvr>
+    <a:masterClrMapping/>
+  </p:clrMapOvr>
+</p:sld>
+</file>
+
+<file path=ppt/slides/slide30.xml><?xml version="1.0" encoding="utf-8"?>
+<p:sld xmlns:a="http://schemas.openxmlformats.org/drawingml/2006/main" xmlns:r="http://schemas.openxmlformats.org/officeDocument/2006/relationships" xmlns:p="http://schemas.openxmlformats.org/presentationml/2006/main">
+  <p:cSld>
+    <p:spTree>
+      <p:nvGrpSpPr>
+        <p:cNvPr id="1" name=""/>
+        <p:cNvGrpSpPr/>
+        <p:nvPr/>
+      </p:nvGrpSpPr>
+      <p:grpSpPr>
+        <a:xfrm>
+          <a:off x="0" y="0"/>
+          <a:ext cx="0" cy="0"/>
+          <a:chOff x="0" y="0"/>
+          <a:chExt cx="0" cy="0"/>
+        </a:xfrm>
+      </p:grpSpPr>
+      <p:sp>
+        <p:nvSpPr>
+          <p:cNvPr id="2" name="Title 1">
+            <a:extLst>
+              <a:ext uri="{FF2B5EF4-FFF2-40B4-BE49-F238E27FC236}">
+                <a16:creationId xmlns:a16="http://schemas.microsoft.com/office/drawing/2014/main" id="{36C26FA2-74C9-8B41-787D-AA4371E57B8A}"/>
+              </a:ext>
+            </a:extLst>
+          </p:cNvPr>
+          <p:cNvSpPr>
+            <a:spLocks noGrp="1"/>
+          </p:cNvSpPr>
+          <p:nvPr>
+            <p:ph type="title"/>
+          </p:nvPr>
+        </p:nvSpPr>
+        <p:spPr/>
+        <p:txBody>
+          <a:bodyPr/>
+          <a:lstStyle/>
+          <a:p>
+            <a:r>
+              <a:rPr lang="en-GB" dirty="0"/>
+              <a:t>Full-Length Lectures</a:t>
+            </a:r>
+            <a:endParaRPr lang="en-SE" dirty="0"/>
+          </a:p>
+        </p:txBody>
+      </p:sp>
+      <p:sp>
+        <p:nvSpPr>
+          <p:cNvPr id="3" name="Content Placeholder 2">
+            <a:extLst>
+              <a:ext uri="{FF2B5EF4-FFF2-40B4-BE49-F238E27FC236}">
+                <a16:creationId xmlns:a16="http://schemas.microsoft.com/office/drawing/2014/main" id="{30785D6C-8E67-01C8-9B7F-5274AFFDC7E1}"/>
+              </a:ext>
+            </a:extLst>
+          </p:cNvPr>
+          <p:cNvSpPr>
+            <a:spLocks noGrp="1"/>
+          </p:cNvSpPr>
+          <p:nvPr>
+            <p:ph idx="1"/>
+          </p:nvPr>
+        </p:nvSpPr>
+        <p:spPr/>
+        <p:txBody>
+          <a:bodyPr/>
+          <a:lstStyle/>
+          <a:p>
+            <a:r>
+              <a:rPr lang="en-GB" dirty="0"/>
+              <a:t>[CSE 373WI24] Lecture 16: Minimum Spanning Trees</a:t>
+            </a:r>
+          </a:p>
+          <a:p>
+            <a:pPr lvl="1"/>
+            <a:r>
+              <a:rPr lang="en-GB" dirty="0">
+                <a:hlinkClick r:id="rId2"/>
+              </a:rPr>
+              <a:t>https://www.youtube.com/watch?v=9dGPQqE0dUw&amp;list=PLEcoVsAaONjd5n69K84sSmAuvTrTQT_Nl&amp;index=15</a:t>
+            </a:r>
+            <a:r>
+              <a:rPr lang="en-GB" dirty="0"/>
+              <a:t> </a:t>
+            </a:r>
+            <a:endParaRPr lang="en-SE" dirty="0"/>
+          </a:p>
+        </p:txBody>
+      </p:sp>
+    </p:spTree>
+    <p:extLst>
+      <p:ext uri="{BB962C8B-B14F-4D97-AF65-F5344CB8AC3E}">
+        <p14:creationId xmlns:p14="http://schemas.microsoft.com/office/powerpoint/2010/main" val="3051915475"/>
       </p:ext>
     </p:extLst>
   </p:cSld>
